--- a/Проект Roguelite.pptx
+++ b/Проект Roguelite.pptx
@@ -8,15 +8,18 @@
     <p:sldId id="256" r:id="rId2"/>
     <p:sldId id="257" r:id="rId3"/>
     <p:sldId id="258" r:id="rId4"/>
-    <p:sldId id="261" r:id="rId5"/>
-    <p:sldId id="263" r:id="rId6"/>
-    <p:sldId id="262" r:id="rId7"/>
-    <p:sldId id="264" r:id="rId8"/>
-    <p:sldId id="265" r:id="rId9"/>
-    <p:sldId id="267" r:id="rId10"/>
-    <p:sldId id="266" r:id="rId11"/>
-    <p:sldId id="259" r:id="rId12"/>
-    <p:sldId id="260" r:id="rId13"/>
+    <p:sldId id="268" r:id="rId5"/>
+    <p:sldId id="269" r:id="rId6"/>
+    <p:sldId id="261" r:id="rId7"/>
+    <p:sldId id="263" r:id="rId8"/>
+    <p:sldId id="262" r:id="rId9"/>
+    <p:sldId id="264" r:id="rId10"/>
+    <p:sldId id="265" r:id="rId11"/>
+    <p:sldId id="267" r:id="rId12"/>
+    <p:sldId id="266" r:id="rId13"/>
+    <p:sldId id="270" r:id="rId14"/>
+    <p:sldId id="259" r:id="rId15"/>
+    <p:sldId id="260" r:id="rId16"/>
   </p:sldIdLst>
   <p:sldSz cx="12192000" cy="6858000"/>
   <p:notesSz cx="6858000" cy="9144000"/>
@@ -6014,857 +6017,6 @@
             <p:ph type="title"/>
           </p:nvPr>
         </p:nvSpPr>
-        <p:spPr/>
-        <p:txBody>
-          <a:bodyPr>
-            <a:normAutofit/>
-          </a:bodyPr>
-          <a:lstStyle/>
-          <a:p>
-            <a:r>
-              <a:rPr lang="ru-RU" dirty="0" smtClean="0"/>
-              <a:t>Описание игровых возможностей.</a:t>
-            </a:r>
-            <a:endParaRPr lang="ru-RU" dirty="0"/>
-          </a:p>
-        </p:txBody>
-      </p:sp>
-      <p:sp>
-        <p:nvSpPr>
-          <p:cNvPr id="2" name="Текст 1"/>
-          <p:cNvSpPr>
-            <a:spLocks noGrp="1"/>
-          </p:cNvSpPr>
-          <p:nvPr>
-            <p:ph type="body" idx="1"/>
-          </p:nvPr>
-        </p:nvSpPr>
-        <p:spPr>
-          <a:xfrm>
-            <a:off x="675744" y="2468559"/>
-            <a:ext cx="4185623" cy="576262"/>
-          </a:xfrm>
-        </p:spPr>
-        <p:txBody>
-          <a:bodyPr/>
-          <a:lstStyle/>
-          <a:p>
-            <a:r>
-              <a:rPr lang="ru-RU" dirty="0" smtClean="0"/>
-              <a:t>Враг</a:t>
-            </a:r>
-            <a:r>
-              <a:rPr lang="en-US" dirty="0" smtClean="0"/>
-              <a:t>:4 Lava</a:t>
-            </a:r>
-            <a:r>
-              <a:rPr lang="ru-RU" dirty="0" smtClean="0"/>
-              <a:t> </a:t>
-            </a:r>
-            <a:r>
-              <a:rPr lang="en-US" dirty="0" smtClean="0"/>
-              <a:t>Slime</a:t>
-            </a:r>
-          </a:p>
-          <a:p>
-            <a:r>
-              <a:rPr lang="ru-RU" sz="1800" dirty="0" smtClean="0"/>
-              <a:t>Более хитрый по сравнению со своим зелёным собратом и </a:t>
-            </a:r>
-            <a:r>
-              <a:rPr lang="ru-RU" sz="1800" dirty="0"/>
-              <a:t>п</a:t>
-            </a:r>
-            <a:r>
-              <a:rPr lang="ru-RU" sz="1800" dirty="0" smtClean="0"/>
-              <a:t>ытается не попадаться под ваши атаки, а сам стреляет по вам под любым углом </a:t>
-            </a:r>
-            <a:endParaRPr lang="en-US" sz="1800" dirty="0" smtClean="0"/>
-          </a:p>
-        </p:txBody>
-      </p:sp>
-      <p:sp>
-        <p:nvSpPr>
-          <p:cNvPr id="5" name="Текст 4"/>
-          <p:cNvSpPr>
-            <a:spLocks noGrp="1"/>
-          </p:cNvSpPr>
-          <p:nvPr>
-            <p:ph type="body" sz="quarter" idx="3"/>
-          </p:nvPr>
-        </p:nvSpPr>
-        <p:spPr>
-          <a:xfrm>
-            <a:off x="5088384" y="2756690"/>
-            <a:ext cx="4185618" cy="576262"/>
-          </a:xfrm>
-        </p:spPr>
-        <p:txBody>
-          <a:bodyPr/>
-          <a:lstStyle/>
-          <a:p>
-            <a:r>
-              <a:rPr lang="ru-RU" dirty="0" smtClean="0"/>
-              <a:t>Враг</a:t>
-            </a:r>
-            <a:r>
-              <a:rPr lang="en-US" dirty="0" smtClean="0"/>
-              <a:t>:5 Boss</a:t>
-            </a:r>
-          </a:p>
-          <a:p>
-            <a:r>
-              <a:rPr lang="ru-RU" dirty="0" smtClean="0"/>
-              <a:t>Тоже принадлежит роду Слизней является самым крупным в своём виде</a:t>
-            </a:r>
-            <a:r>
-              <a:rPr lang="en-US" dirty="0" smtClean="0"/>
-              <a:t>.</a:t>
-            </a:r>
-            <a:r>
-              <a:rPr lang="ru-RU" dirty="0" smtClean="0"/>
-              <a:t> Имеет несколько </a:t>
-            </a:r>
-            <a:r>
-              <a:rPr lang="ru-RU" dirty="0" smtClean="0"/>
-              <a:t>фаз</a:t>
-            </a:r>
-            <a:r>
-              <a:rPr lang="en-US" dirty="0" smtClean="0"/>
-              <a:t> </a:t>
-            </a:r>
-            <a:r>
-              <a:rPr lang="ru-RU" dirty="0" smtClean="0"/>
-              <a:t>боя.</a:t>
-            </a:r>
-            <a:endParaRPr lang="ru-RU" dirty="0" smtClean="0"/>
-          </a:p>
-        </p:txBody>
-      </p:sp>
-      <p:pic>
-        <p:nvPicPr>
-          <p:cNvPr id="14" name="Объект 13"/>
-          <p:cNvPicPr>
-            <a:picLocks noGrp="1" noChangeAspect="1"/>
-          </p:cNvPicPr>
-          <p:nvPr>
-            <p:ph sz="quarter" idx="4"/>
-          </p:nvPr>
-        </p:nvPicPr>
-        <p:blipFill>
-          <a:blip r:embed="rId2"/>
-          <a:stretch>
-            <a:fillRect/>
-          </a:stretch>
-        </p:blipFill>
-        <p:spPr>
-          <a:xfrm>
-            <a:off x="5361664" y="3471213"/>
-            <a:ext cx="2838907" cy="2794317"/>
-          </a:xfrm>
-          <a:prstGeom prst="rect">
-            <a:avLst/>
-          </a:prstGeom>
-        </p:spPr>
-      </p:pic>
-      <p:pic>
-        <p:nvPicPr>
-          <p:cNvPr id="13" name="Объект 12"/>
-          <p:cNvPicPr>
-            <a:picLocks noGrp="1" noChangeAspect="1"/>
-          </p:cNvPicPr>
-          <p:nvPr>
-            <p:ph sz="half" idx="2"/>
-          </p:nvPr>
-        </p:nvPicPr>
-        <p:blipFill>
-          <a:blip r:embed="rId3"/>
-          <a:stretch>
-            <a:fillRect/>
-          </a:stretch>
-        </p:blipFill>
-        <p:spPr>
-          <a:xfrm>
-            <a:off x="1439181" y="3332952"/>
-            <a:ext cx="1866980" cy="1929212"/>
-          </a:xfrm>
-          <a:prstGeom prst="rect">
-            <a:avLst/>
-          </a:prstGeom>
-        </p:spPr>
-      </p:pic>
-    </p:spTree>
-    <p:extLst>
-      <p:ext uri="{BB962C8B-B14F-4D97-AF65-F5344CB8AC3E}">
-        <p14:creationId xmlns:p14="http://schemas.microsoft.com/office/powerpoint/2010/main" val="1878619053"/>
-      </p:ext>
-    </p:extLst>
-  </p:cSld>
-  <p:clrMapOvr>
-    <a:masterClrMapping/>
-  </p:clrMapOvr>
-  <p:timing>
-    <p:tnLst>
-      <p:par>
-        <p:cTn id="1" dur="indefinite" restart="never" nodeType="tmRoot"/>
-      </p:par>
-    </p:tnLst>
-  </p:timing>
-</p:sld>
-</file>
-
-<file path=ppt/slides/slide11.xml><?xml version="1.0" encoding="utf-8"?>
-<p:sld xmlns:a="http://schemas.openxmlformats.org/drawingml/2006/main" xmlns:r="http://schemas.openxmlformats.org/officeDocument/2006/relationships" xmlns:p="http://schemas.openxmlformats.org/presentationml/2006/main">
-  <p:cSld>
-    <p:spTree>
-      <p:nvGrpSpPr>
-        <p:cNvPr id="1" name=""/>
-        <p:cNvGrpSpPr/>
-        <p:nvPr/>
-      </p:nvGrpSpPr>
-      <p:grpSpPr>
-        <a:xfrm>
-          <a:off x="0" y="0"/>
-          <a:ext cx="0" cy="0"/>
-          <a:chOff x="0" y="0"/>
-          <a:chExt cx="0" cy="0"/>
-        </a:xfrm>
-      </p:grpSpPr>
-      <p:sp>
-        <p:nvSpPr>
-          <p:cNvPr id="2" name="Заголовок 1"/>
-          <p:cNvSpPr>
-            <a:spLocks noGrp="1"/>
-          </p:cNvSpPr>
-          <p:nvPr>
-            <p:ph type="title"/>
-          </p:nvPr>
-        </p:nvSpPr>
-        <p:spPr/>
-        <p:txBody>
-          <a:bodyPr/>
-          <a:lstStyle/>
-          <a:p>
-            <a:r>
-              <a:rPr lang="ru-RU" dirty="0" smtClean="0"/>
-              <a:t>Заключение</a:t>
-            </a:r>
-            <a:endParaRPr lang="ru-RU" dirty="0"/>
-          </a:p>
-        </p:txBody>
-      </p:sp>
-      <p:sp>
-        <p:nvSpPr>
-          <p:cNvPr id="3" name="Объект 2"/>
-          <p:cNvSpPr>
-            <a:spLocks noGrp="1"/>
-          </p:cNvSpPr>
-          <p:nvPr>
-            <p:ph idx="1"/>
-          </p:nvPr>
-        </p:nvSpPr>
-        <p:spPr>
-          <a:xfrm>
-            <a:off x="677334" y="1930400"/>
-            <a:ext cx="8596668" cy="3880773"/>
-          </a:xfrm>
-        </p:spPr>
-        <p:txBody>
-          <a:bodyPr/>
-          <a:lstStyle/>
-          <a:p>
-            <a:pPr marL="0" indent="0">
-              <a:buNone/>
-            </a:pPr>
-            <a:r>
-              <a:rPr lang="ru-RU" sz="2800" b="1" dirty="0" smtClean="0"/>
-              <a:t>Выводы по работе</a:t>
-            </a:r>
-            <a:r>
-              <a:rPr lang="en-US" sz="2800" b="1" dirty="0" smtClean="0"/>
-              <a:t>:</a:t>
-            </a:r>
-          </a:p>
-          <a:p>
-            <a:pPr marL="0" indent="0">
-              <a:buNone/>
-            </a:pPr>
-            <a:r>
-              <a:rPr lang="en-US" dirty="0"/>
-              <a:t>	</a:t>
-            </a:r>
-            <a:r>
-              <a:rPr lang="ru-RU" sz="2400" dirty="0" smtClean="0"/>
-              <a:t>Основные задачи</a:t>
-            </a:r>
-            <a:r>
-              <a:rPr lang="en-US" sz="2400" dirty="0" smtClean="0"/>
-              <a:t> </a:t>
-            </a:r>
-            <a:r>
-              <a:rPr lang="ru-RU" sz="2400" dirty="0" smtClean="0"/>
-              <a:t>поставленные перед выполнением проекта были реализованы.</a:t>
-            </a:r>
-          </a:p>
-          <a:p>
-            <a:pPr marL="0" indent="0">
-              <a:buNone/>
-            </a:pPr>
-            <a:r>
-              <a:rPr lang="ru-RU" sz="2800" b="1" dirty="0" smtClean="0"/>
-              <a:t>Возможности для доработки и развития</a:t>
-            </a:r>
-            <a:r>
-              <a:rPr lang="en-US" sz="2800" b="1" dirty="0" smtClean="0"/>
-              <a:t>:</a:t>
-            </a:r>
-          </a:p>
-          <a:p>
-            <a:pPr marL="0" indent="0">
-              <a:buNone/>
-            </a:pPr>
-            <a:r>
-              <a:rPr lang="ru-RU" dirty="0" smtClean="0"/>
-              <a:t>	</a:t>
-            </a:r>
-            <a:r>
-              <a:rPr lang="ru-RU" sz="2400" dirty="0" smtClean="0"/>
-              <a:t>Безусловно остались возможности для дальнейшего развития проекта</a:t>
-            </a:r>
-            <a:r>
-              <a:rPr lang="en-US" sz="2400" dirty="0" smtClean="0"/>
-              <a:t> </a:t>
-            </a:r>
-            <a:r>
-              <a:rPr lang="ru-RU" sz="2400" dirty="0" smtClean="0"/>
-              <a:t>такие как добавления новых функции и доработка старых.</a:t>
-            </a:r>
-            <a:endParaRPr lang="en-US" sz="2400" b="1" dirty="0" smtClean="0"/>
-          </a:p>
-        </p:txBody>
-      </p:sp>
-    </p:spTree>
-    <p:extLst>
-      <p:ext uri="{BB962C8B-B14F-4D97-AF65-F5344CB8AC3E}">
-        <p14:creationId xmlns:p14="http://schemas.microsoft.com/office/powerpoint/2010/main" val="4266296490"/>
-      </p:ext>
-    </p:extLst>
-  </p:cSld>
-  <p:clrMapOvr>
-    <a:masterClrMapping/>
-  </p:clrMapOvr>
-  <p:timing>
-    <p:tnLst>
-      <p:par>
-        <p:cTn id="1" dur="indefinite" restart="never" nodeType="tmRoot"/>
-      </p:par>
-    </p:tnLst>
-  </p:timing>
-</p:sld>
-</file>
-
-<file path=ppt/slides/slide12.xml><?xml version="1.0" encoding="utf-8"?>
-<p:sld xmlns:a="http://schemas.openxmlformats.org/drawingml/2006/main" xmlns:r="http://schemas.openxmlformats.org/officeDocument/2006/relationships" xmlns:p="http://schemas.openxmlformats.org/presentationml/2006/main">
-  <p:cSld>
-    <p:spTree>
-      <p:nvGrpSpPr>
-        <p:cNvPr id="1" name=""/>
-        <p:cNvGrpSpPr/>
-        <p:nvPr/>
-      </p:nvGrpSpPr>
-      <p:grpSpPr>
-        <a:xfrm>
-          <a:off x="0" y="0"/>
-          <a:ext cx="0" cy="0"/>
-          <a:chOff x="0" y="0"/>
-          <a:chExt cx="0" cy="0"/>
-        </a:xfrm>
-      </p:grpSpPr>
-      <p:sp>
-        <p:nvSpPr>
-          <p:cNvPr id="4" name="Заголовок 3"/>
-          <p:cNvSpPr>
-            <a:spLocks noGrp="1"/>
-          </p:cNvSpPr>
-          <p:nvPr>
-            <p:ph type="title"/>
-          </p:nvPr>
-        </p:nvSpPr>
-        <p:spPr/>
-        <p:txBody>
-          <a:bodyPr/>
-          <a:lstStyle/>
-          <a:p>
-            <a:pPr algn="ctr"/>
-            <a:r>
-              <a:rPr lang="ru-RU" dirty="0" smtClean="0"/>
-              <a:t>Спасибо за внимание</a:t>
-            </a:r>
-            <a:endParaRPr lang="ru-RU" dirty="0"/>
-          </a:p>
-        </p:txBody>
-      </p:sp>
-    </p:spTree>
-    <p:extLst>
-      <p:ext uri="{BB962C8B-B14F-4D97-AF65-F5344CB8AC3E}">
-        <p14:creationId xmlns:p14="http://schemas.microsoft.com/office/powerpoint/2010/main" val="2283289670"/>
-      </p:ext>
-    </p:extLst>
-  </p:cSld>
-  <p:clrMapOvr>
-    <a:masterClrMapping/>
-  </p:clrMapOvr>
-  <p:timing>
-    <p:tnLst>
-      <p:par>
-        <p:cTn id="1" dur="indefinite" restart="never" nodeType="tmRoot"/>
-      </p:par>
-    </p:tnLst>
-  </p:timing>
-</p:sld>
-</file>
-
-<file path=ppt/slides/slide2.xml><?xml version="1.0" encoding="utf-8"?>
-<p:sld xmlns:a="http://schemas.openxmlformats.org/drawingml/2006/main" xmlns:r="http://schemas.openxmlformats.org/officeDocument/2006/relationships" xmlns:p="http://schemas.openxmlformats.org/presentationml/2006/main">
-  <p:cSld>
-    <p:spTree>
-      <p:nvGrpSpPr>
-        <p:cNvPr id="1" name=""/>
-        <p:cNvGrpSpPr/>
-        <p:nvPr/>
-      </p:nvGrpSpPr>
-      <p:grpSpPr>
-        <a:xfrm>
-          <a:off x="0" y="0"/>
-          <a:ext cx="0" cy="0"/>
-          <a:chOff x="0" y="0"/>
-          <a:chExt cx="0" cy="0"/>
-        </a:xfrm>
-      </p:grpSpPr>
-      <p:sp>
-        <p:nvSpPr>
-          <p:cNvPr id="2" name="Заголовок 1"/>
-          <p:cNvSpPr>
-            <a:spLocks noGrp="1"/>
-          </p:cNvSpPr>
-          <p:nvPr>
-            <p:ph type="title"/>
-          </p:nvPr>
-        </p:nvSpPr>
-        <p:spPr/>
-        <p:txBody>
-          <a:bodyPr/>
-          <a:lstStyle/>
-          <a:p>
-            <a:r>
-              <a:rPr lang="ru-RU" dirty="0" smtClean="0"/>
-              <a:t>Введение</a:t>
-            </a:r>
-            <a:r>
-              <a:rPr lang="en-US" dirty="0" smtClean="0"/>
-              <a:t>:</a:t>
-            </a:r>
-            <a:endParaRPr lang="ru-RU" dirty="0"/>
-          </a:p>
-        </p:txBody>
-      </p:sp>
-      <p:sp>
-        <p:nvSpPr>
-          <p:cNvPr id="3" name="Объект 2"/>
-          <p:cNvSpPr>
-            <a:spLocks noGrp="1"/>
-          </p:cNvSpPr>
-          <p:nvPr>
-            <p:ph idx="1"/>
-          </p:nvPr>
-        </p:nvSpPr>
-        <p:spPr/>
-        <p:txBody>
-          <a:bodyPr/>
-          <a:lstStyle/>
-          <a:p>
-            <a:pPr marL="0" indent="0">
-              <a:buNone/>
-            </a:pPr>
-            <a:r>
-              <a:rPr lang="en-US" sz="2800" b="1" dirty="0" smtClean="0"/>
-              <a:t>	</a:t>
-            </a:r>
-            <a:r>
-              <a:rPr lang="ru-RU" sz="2800" b="1" dirty="0" smtClean="0"/>
-              <a:t>Идея проекта</a:t>
-            </a:r>
-            <a:r>
-              <a:rPr lang="en-US" sz="2800" b="1" dirty="0" smtClean="0"/>
-              <a:t>:</a:t>
-            </a:r>
-            <a:r>
-              <a:rPr lang="ru-RU" sz="2800" b="1" dirty="0" smtClean="0"/>
-              <a:t> написать интересную игру</a:t>
-            </a:r>
-            <a:r>
-              <a:rPr lang="en-US" sz="2800" b="1" dirty="0" smtClean="0"/>
-              <a:t>,</a:t>
-            </a:r>
-            <a:r>
-              <a:rPr lang="ru-RU" sz="2800" b="1" dirty="0" smtClean="0"/>
-              <a:t> способную бросить вызов игроку при её прохождении</a:t>
-            </a:r>
-            <a:r>
-              <a:rPr lang="en-US" sz="2800" b="1" dirty="0" smtClean="0"/>
-              <a:t>, </a:t>
-            </a:r>
-            <a:r>
-              <a:rPr lang="ru-RU" sz="2800" b="1" dirty="0" smtClean="0"/>
-              <a:t>и научиться использовать широкий спектр возможностей библиотеки </a:t>
-            </a:r>
-            <a:r>
-              <a:rPr lang="en-US" sz="2800" b="1" dirty="0" err="1" smtClean="0"/>
-              <a:t>pygame</a:t>
-            </a:r>
-            <a:r>
-              <a:rPr lang="ru-RU" sz="2800" b="1" dirty="0"/>
-              <a:t>.</a:t>
-            </a:r>
-            <a:endParaRPr lang="en-US" sz="2800" b="1" dirty="0" smtClean="0"/>
-          </a:p>
-          <a:p>
-            <a:pPr marL="0" indent="0">
-              <a:buNone/>
-            </a:pPr>
-            <a:endParaRPr lang="ru-RU" sz="2400" dirty="0" smtClean="0"/>
-          </a:p>
-          <a:p>
-            <a:pPr marL="0" indent="0">
-              <a:buNone/>
-            </a:pPr>
-            <a:endParaRPr lang="ru-RU" sz="2400" dirty="0" smtClean="0"/>
-          </a:p>
-          <a:p>
-            <a:pPr marL="0" indent="0">
-              <a:buNone/>
-            </a:pPr>
-            <a:r>
-              <a:rPr lang="ru-RU" dirty="0"/>
-              <a:t>	</a:t>
-            </a:r>
-          </a:p>
-        </p:txBody>
-      </p:sp>
-    </p:spTree>
-    <p:extLst>
-      <p:ext uri="{BB962C8B-B14F-4D97-AF65-F5344CB8AC3E}">
-        <p14:creationId xmlns:p14="http://schemas.microsoft.com/office/powerpoint/2010/main" val="1054445538"/>
-      </p:ext>
-    </p:extLst>
-  </p:cSld>
-  <p:clrMapOvr>
-    <a:masterClrMapping/>
-  </p:clrMapOvr>
-  <p:timing>
-    <p:tnLst>
-      <p:par>
-        <p:cTn id="1" dur="indefinite" restart="never" nodeType="tmRoot"/>
-      </p:par>
-    </p:tnLst>
-  </p:timing>
-</p:sld>
-</file>
-
-<file path=ppt/slides/slide3.xml><?xml version="1.0" encoding="utf-8"?>
-<p:sld xmlns:a="http://schemas.openxmlformats.org/drawingml/2006/main" xmlns:r="http://schemas.openxmlformats.org/officeDocument/2006/relationships" xmlns:p="http://schemas.openxmlformats.org/presentationml/2006/main">
-  <p:cSld>
-    <p:spTree>
-      <p:nvGrpSpPr>
-        <p:cNvPr id="1" name=""/>
-        <p:cNvGrpSpPr/>
-        <p:nvPr/>
-      </p:nvGrpSpPr>
-      <p:grpSpPr>
-        <a:xfrm>
-          <a:off x="0" y="0"/>
-          <a:ext cx="0" cy="0"/>
-          <a:chOff x="0" y="0"/>
-          <a:chExt cx="0" cy="0"/>
-        </a:xfrm>
-      </p:grpSpPr>
-      <p:sp>
-        <p:nvSpPr>
-          <p:cNvPr id="2" name="Заголовок 1"/>
-          <p:cNvSpPr>
-            <a:spLocks noGrp="1"/>
-          </p:cNvSpPr>
-          <p:nvPr>
-            <p:ph type="title"/>
-          </p:nvPr>
-        </p:nvSpPr>
-        <p:spPr/>
-        <p:txBody>
-          <a:bodyPr/>
-          <a:lstStyle/>
-          <a:p>
-            <a:r>
-              <a:rPr lang="ru-RU" dirty="0" smtClean="0"/>
-              <a:t>Описание реализации</a:t>
-            </a:r>
-            <a:r>
-              <a:rPr lang="en-US" dirty="0" smtClean="0"/>
-              <a:t>:</a:t>
-            </a:r>
-            <a:endParaRPr lang="ru-RU" dirty="0"/>
-          </a:p>
-        </p:txBody>
-      </p:sp>
-      <p:sp>
-        <p:nvSpPr>
-          <p:cNvPr id="3" name="Объект 2"/>
-          <p:cNvSpPr>
-            <a:spLocks noGrp="1"/>
-          </p:cNvSpPr>
-          <p:nvPr>
-            <p:ph idx="1"/>
-          </p:nvPr>
-        </p:nvSpPr>
-        <p:spPr>
-          <a:xfrm>
-            <a:off x="677334" y="2363538"/>
-            <a:ext cx="8596668" cy="4110962"/>
-          </a:xfrm>
-        </p:spPr>
-        <p:txBody>
-          <a:bodyPr>
-            <a:normAutofit/>
-          </a:bodyPr>
-          <a:lstStyle/>
-          <a:p>
-            <a:pPr marL="0" indent="0">
-              <a:buNone/>
-            </a:pPr>
-            <a:r>
-              <a:rPr lang="ru-RU" sz="2400" dirty="0" smtClean="0"/>
-              <a:t>	Для реализации данного проекта было написано </a:t>
-            </a:r>
-            <a:r>
-              <a:rPr lang="en-US" sz="2400" dirty="0" smtClean="0"/>
-              <a:t>9</a:t>
-            </a:r>
-            <a:r>
-              <a:rPr lang="ru-RU" sz="2400" dirty="0" smtClean="0"/>
-              <a:t> классов и множество функций.</a:t>
-            </a:r>
-            <a:r>
-              <a:rPr lang="en-US" sz="2400" dirty="0" smtClean="0"/>
-              <a:t> </a:t>
-            </a:r>
-            <a:r>
-              <a:rPr lang="ru-RU" sz="2400" dirty="0" smtClean="0"/>
-              <a:t>Была использована библиотека </a:t>
-            </a:r>
-            <a:r>
-              <a:rPr lang="en-US" sz="2400" dirty="0" err="1" smtClean="0"/>
-              <a:t>pygame</a:t>
-            </a:r>
-            <a:r>
-              <a:rPr lang="ru-RU" sz="2400" dirty="0" smtClean="0"/>
-              <a:t> и написано около 1000 строк программного кода.</a:t>
-            </a:r>
-            <a:endParaRPr lang="ru-RU" sz="2400" dirty="0"/>
-          </a:p>
-        </p:txBody>
-      </p:sp>
-    </p:spTree>
-    <p:extLst>
-      <p:ext uri="{BB962C8B-B14F-4D97-AF65-F5344CB8AC3E}">
-        <p14:creationId xmlns:p14="http://schemas.microsoft.com/office/powerpoint/2010/main" val="2644860482"/>
-      </p:ext>
-    </p:extLst>
-  </p:cSld>
-  <p:clrMapOvr>
-    <a:masterClrMapping/>
-  </p:clrMapOvr>
-  <p:timing>
-    <p:tnLst>
-      <p:par>
-        <p:cTn id="1" dur="indefinite" restart="never" nodeType="tmRoot"/>
-      </p:par>
-    </p:tnLst>
-  </p:timing>
-</p:sld>
-</file>
-
-<file path=ppt/slides/slide4.xml><?xml version="1.0" encoding="utf-8"?>
-<p:sld xmlns:a="http://schemas.openxmlformats.org/drawingml/2006/main" xmlns:r="http://schemas.openxmlformats.org/officeDocument/2006/relationships" xmlns:p="http://schemas.openxmlformats.org/presentationml/2006/main">
-  <p:cSld>
-    <p:spTree>
-      <p:nvGrpSpPr>
-        <p:cNvPr id="1" name=""/>
-        <p:cNvGrpSpPr/>
-        <p:nvPr/>
-      </p:nvGrpSpPr>
-      <p:grpSpPr>
-        <a:xfrm>
-          <a:off x="0" y="0"/>
-          <a:ext cx="0" cy="0"/>
-          <a:chOff x="0" y="0"/>
-          <a:chExt cx="0" cy="0"/>
-        </a:xfrm>
-      </p:grpSpPr>
-      <p:sp>
-        <p:nvSpPr>
-          <p:cNvPr id="4" name="Заголовок 3"/>
-          <p:cNvSpPr>
-            <a:spLocks noGrp="1"/>
-          </p:cNvSpPr>
-          <p:nvPr>
-            <p:ph type="title"/>
-          </p:nvPr>
-        </p:nvSpPr>
-        <p:spPr/>
-        <p:txBody>
-          <a:bodyPr>
-            <a:normAutofit/>
-          </a:bodyPr>
-          <a:lstStyle/>
-          <a:p>
-            <a:r>
-              <a:rPr lang="ru-RU" dirty="0" smtClean="0"/>
-              <a:t>Описание игровых возможностей.</a:t>
-            </a:r>
-            <a:endParaRPr lang="ru-RU" dirty="0"/>
-          </a:p>
-        </p:txBody>
-      </p:sp>
-      <p:sp>
-        <p:nvSpPr>
-          <p:cNvPr id="6" name="Текст 5"/>
-          <p:cNvSpPr>
-            <a:spLocks noGrp="1"/>
-          </p:cNvSpPr>
-          <p:nvPr>
-            <p:ph type="body" idx="1"/>
-          </p:nvPr>
-        </p:nvSpPr>
-        <p:spPr>
-          <a:xfrm>
-            <a:off x="675745" y="2160983"/>
-            <a:ext cx="8570530" cy="576262"/>
-          </a:xfrm>
-        </p:spPr>
-        <p:txBody>
-          <a:bodyPr/>
-          <a:lstStyle/>
-          <a:p>
-            <a:pPr algn="ctr"/>
-            <a:r>
-              <a:rPr lang="ru-RU" dirty="0" smtClean="0"/>
-              <a:t>Экран начала игры и конца.</a:t>
-            </a:r>
-          </a:p>
-          <a:p>
-            <a:pPr algn="ctr"/>
-            <a:endParaRPr lang="ru-RU" dirty="0" smtClean="0"/>
-          </a:p>
-        </p:txBody>
-      </p:sp>
-      <p:pic>
-        <p:nvPicPr>
-          <p:cNvPr id="12" name="Объект 11"/>
-          <p:cNvPicPr>
-            <a:picLocks noGrp="1" noChangeAspect="1"/>
-          </p:cNvPicPr>
-          <p:nvPr>
-            <p:ph sz="half" idx="2"/>
-          </p:nvPr>
-        </p:nvPicPr>
-        <p:blipFill>
-          <a:blip r:embed="rId2"/>
-          <a:stretch>
-            <a:fillRect/>
-          </a:stretch>
-        </p:blipFill>
-        <p:spPr>
-          <a:xfrm>
-            <a:off x="703381" y="2736850"/>
-            <a:ext cx="4130437" cy="3305175"/>
-          </a:xfrm>
-          <a:prstGeom prst="rect">
-            <a:avLst/>
-          </a:prstGeom>
-        </p:spPr>
-      </p:pic>
-      <p:pic>
-        <p:nvPicPr>
-          <p:cNvPr id="11" name="Объект 10"/>
-          <p:cNvPicPr>
-            <a:picLocks noGrp="1" noChangeAspect="1"/>
-          </p:cNvPicPr>
-          <p:nvPr>
-            <p:ph sz="quarter" idx="4"/>
-          </p:nvPr>
-        </p:nvPicPr>
-        <p:blipFill>
-          <a:blip r:embed="rId3"/>
-          <a:stretch>
-            <a:fillRect/>
-          </a:stretch>
-        </p:blipFill>
-        <p:spPr>
-          <a:xfrm>
-            <a:off x="5115838" y="2736850"/>
-            <a:ext cx="4130437" cy="3305175"/>
-          </a:xfrm>
-          <a:prstGeom prst="rect">
-            <a:avLst/>
-          </a:prstGeom>
-        </p:spPr>
-      </p:pic>
-    </p:spTree>
-    <p:extLst>
-      <p:ext uri="{BB962C8B-B14F-4D97-AF65-F5344CB8AC3E}">
-        <p14:creationId xmlns:p14="http://schemas.microsoft.com/office/powerpoint/2010/main" val="718325008"/>
-      </p:ext>
-    </p:extLst>
-  </p:cSld>
-  <p:clrMapOvr>
-    <a:masterClrMapping/>
-  </p:clrMapOvr>
-  <p:timing>
-    <p:tnLst>
-      <p:par>
-        <p:cTn id="1" dur="indefinite" restart="never" nodeType="tmRoot"/>
-      </p:par>
-    </p:tnLst>
-  </p:timing>
-</p:sld>
-</file>
-
-<file path=ppt/slides/slide5.xml><?xml version="1.0" encoding="utf-8"?>
-<p:sld xmlns:a="http://schemas.openxmlformats.org/drawingml/2006/main" xmlns:r="http://schemas.openxmlformats.org/officeDocument/2006/relationships" xmlns:p="http://schemas.openxmlformats.org/presentationml/2006/main">
-  <p:cSld>
-    <p:spTree>
-      <p:nvGrpSpPr>
-        <p:cNvPr id="1" name=""/>
-        <p:cNvGrpSpPr/>
-        <p:nvPr/>
-      </p:nvGrpSpPr>
-      <p:grpSpPr>
-        <a:xfrm>
-          <a:off x="0" y="0"/>
-          <a:ext cx="0" cy="0"/>
-          <a:chOff x="0" y="0"/>
-          <a:chExt cx="0" cy="0"/>
-        </a:xfrm>
-      </p:grpSpPr>
-      <p:sp>
-        <p:nvSpPr>
-          <p:cNvPr id="4" name="Заголовок 3"/>
-          <p:cNvSpPr>
-            <a:spLocks noGrp="1"/>
-          </p:cNvSpPr>
-          <p:nvPr>
-            <p:ph type="title"/>
-          </p:nvPr>
-        </p:nvSpPr>
         <p:spPr>
           <a:xfrm>
             <a:off x="677334" y="579817"/>
@@ -6898,7 +6050,7 @@
         <p:spPr>
           <a:xfrm>
             <a:off x="677334" y="1371601"/>
-            <a:ext cx="3854528" cy="3989918"/>
+            <a:ext cx="5482834" cy="3989918"/>
           </a:xfrm>
         </p:spPr>
         <p:txBody>
@@ -6906,396 +6058,7 @@
           <a:lstStyle/>
           <a:p>
             <a:r>
-              <a:rPr lang="ru-RU" dirty="0" smtClean="0"/>
-              <a:t>Передвижение персонажа на </a:t>
-            </a:r>
-            <a:r>
-              <a:rPr lang="en-US" dirty="0" err="1" smtClean="0"/>
-              <a:t>wasd</a:t>
-            </a:r>
-            <a:r>
-              <a:rPr lang="en-US" dirty="0" smtClean="0"/>
-              <a:t> </a:t>
-            </a:r>
-            <a:r>
-              <a:rPr lang="ru-RU" dirty="0" smtClean="0"/>
-              <a:t>и стрельба по 4 направлениям на стрелки клавиатуры.</a:t>
-            </a:r>
-          </a:p>
-          <a:p>
-            <a:endParaRPr lang="ru-RU" dirty="0" smtClean="0"/>
-          </a:p>
-        </p:txBody>
-      </p:sp>
-      <p:pic>
-        <p:nvPicPr>
-          <p:cNvPr id="3" name="Объект 2"/>
-          <p:cNvPicPr>
-            <a:picLocks noGrp="1" noChangeAspect="1"/>
-          </p:cNvPicPr>
-          <p:nvPr>
-            <p:ph idx="1"/>
-          </p:nvPr>
-        </p:nvPicPr>
-        <p:blipFill>
-          <a:blip r:embed="rId2"/>
-          <a:stretch>
-            <a:fillRect/>
-          </a:stretch>
-        </p:blipFill>
-        <p:spPr>
-          <a:xfrm>
-            <a:off x="4531862" y="1289145"/>
-            <a:ext cx="5089195" cy="4072373"/>
-          </a:xfrm>
-          <a:prstGeom prst="rect">
-            <a:avLst/>
-          </a:prstGeom>
-        </p:spPr>
-      </p:pic>
-    </p:spTree>
-    <p:extLst>
-      <p:ext uri="{BB962C8B-B14F-4D97-AF65-F5344CB8AC3E}">
-        <p14:creationId xmlns:p14="http://schemas.microsoft.com/office/powerpoint/2010/main" val="2131574503"/>
-      </p:ext>
-    </p:extLst>
-  </p:cSld>
-  <p:clrMapOvr>
-    <a:masterClrMapping/>
-  </p:clrMapOvr>
-  <p:timing>
-    <p:tnLst>
-      <p:par>
-        <p:cTn id="1" dur="indefinite" restart="never" nodeType="tmRoot"/>
-      </p:par>
-    </p:tnLst>
-  </p:timing>
-</p:sld>
-</file>
-
-<file path=ppt/slides/slide6.xml><?xml version="1.0" encoding="utf-8"?>
-<p:sld xmlns:a="http://schemas.openxmlformats.org/drawingml/2006/main" xmlns:r="http://schemas.openxmlformats.org/officeDocument/2006/relationships" xmlns:p="http://schemas.openxmlformats.org/presentationml/2006/main">
-  <p:cSld>
-    <p:spTree>
-      <p:nvGrpSpPr>
-        <p:cNvPr id="1" name=""/>
-        <p:cNvGrpSpPr/>
-        <p:nvPr/>
-      </p:nvGrpSpPr>
-      <p:grpSpPr>
-        <a:xfrm>
-          <a:off x="0" y="0"/>
-          <a:ext cx="0" cy="0"/>
-          <a:chOff x="0" y="0"/>
-          <a:chExt cx="0" cy="0"/>
-        </a:xfrm>
-      </p:grpSpPr>
-      <p:sp>
-        <p:nvSpPr>
-          <p:cNvPr id="4" name="Заголовок 3"/>
-          <p:cNvSpPr>
-            <a:spLocks noGrp="1"/>
-          </p:cNvSpPr>
-          <p:nvPr>
-            <p:ph type="title"/>
-          </p:nvPr>
-        </p:nvSpPr>
-        <p:spPr>
-          <a:xfrm>
-            <a:off x="677334" y="579817"/>
-            <a:ext cx="3854528" cy="400534"/>
-          </a:xfrm>
-        </p:spPr>
-        <p:txBody>
-          <a:bodyPr>
-            <a:normAutofit fontScale="90000"/>
-          </a:bodyPr>
-          <a:lstStyle/>
-          <a:p>
-            <a:r>
-              <a:rPr lang="ru-RU" dirty="0" smtClean="0"/>
-              <a:t>Описание игровых возможностей.</a:t>
-            </a:r>
-            <a:endParaRPr lang="ru-RU" dirty="0"/>
-          </a:p>
-        </p:txBody>
-      </p:sp>
-      <p:sp>
-        <p:nvSpPr>
-          <p:cNvPr id="6" name="Текст 5"/>
-          <p:cNvSpPr>
-            <a:spLocks noGrp="1"/>
-          </p:cNvSpPr>
-          <p:nvPr>
-            <p:ph type="body" sz="half" idx="2"/>
-          </p:nvPr>
-        </p:nvSpPr>
-        <p:spPr>
-          <a:xfrm>
-            <a:off x="677334" y="1371601"/>
-            <a:ext cx="3854528" cy="3989918"/>
-          </a:xfrm>
-        </p:spPr>
-        <p:txBody>
-          <a:bodyPr/>
-          <a:lstStyle/>
-          <a:p>
-            <a:r>
-              <a:rPr lang="ru-RU" dirty="0" smtClean="0"/>
-              <a:t>Возможность поставит игру на паузу при нажатии </a:t>
-            </a:r>
-            <a:r>
-              <a:rPr lang="en-US" dirty="0" smtClean="0"/>
-              <a:t>Esc</a:t>
-            </a:r>
-            <a:r>
-              <a:rPr lang="ru-RU" dirty="0" smtClean="0"/>
-              <a:t> и выйти из игры. </a:t>
-            </a:r>
-          </a:p>
-          <a:p>
-            <a:endParaRPr lang="ru-RU" dirty="0" smtClean="0"/>
-          </a:p>
-        </p:txBody>
-      </p:sp>
-      <p:pic>
-        <p:nvPicPr>
-          <p:cNvPr id="5" name="Объект 4"/>
-          <p:cNvPicPr>
-            <a:picLocks noGrp="1" noChangeAspect="1"/>
-          </p:cNvPicPr>
-          <p:nvPr>
-            <p:ph idx="1"/>
-          </p:nvPr>
-        </p:nvPicPr>
-        <p:blipFill>
-          <a:blip r:embed="rId2"/>
-          <a:stretch>
-            <a:fillRect/>
-          </a:stretch>
-        </p:blipFill>
-        <p:spPr>
-          <a:xfrm>
-            <a:off x="4531862" y="1371601"/>
-            <a:ext cx="4986152" cy="3989917"/>
-          </a:xfrm>
-          <a:prstGeom prst="rect">
-            <a:avLst/>
-          </a:prstGeom>
-        </p:spPr>
-      </p:pic>
-    </p:spTree>
-    <p:extLst>
-      <p:ext uri="{BB962C8B-B14F-4D97-AF65-F5344CB8AC3E}">
-        <p14:creationId xmlns:p14="http://schemas.microsoft.com/office/powerpoint/2010/main" val="2054946532"/>
-      </p:ext>
-    </p:extLst>
-  </p:cSld>
-  <p:clrMapOvr>
-    <a:masterClrMapping/>
-  </p:clrMapOvr>
-  <p:timing>
-    <p:tnLst>
-      <p:par>
-        <p:cTn id="1" dur="indefinite" restart="never" nodeType="tmRoot"/>
-      </p:par>
-    </p:tnLst>
-  </p:timing>
-</p:sld>
-</file>
-
-<file path=ppt/slides/slide7.xml><?xml version="1.0" encoding="utf-8"?>
-<p:sld xmlns:a="http://schemas.openxmlformats.org/drawingml/2006/main" xmlns:r="http://schemas.openxmlformats.org/officeDocument/2006/relationships" xmlns:p="http://schemas.openxmlformats.org/presentationml/2006/main">
-  <p:cSld>
-    <p:spTree>
-      <p:nvGrpSpPr>
-        <p:cNvPr id="1" name=""/>
-        <p:cNvGrpSpPr/>
-        <p:nvPr/>
-      </p:nvGrpSpPr>
-      <p:grpSpPr>
-        <a:xfrm>
-          <a:off x="0" y="0"/>
-          <a:ext cx="0" cy="0"/>
-          <a:chOff x="0" y="0"/>
-          <a:chExt cx="0" cy="0"/>
-        </a:xfrm>
-      </p:grpSpPr>
-      <p:sp>
-        <p:nvSpPr>
-          <p:cNvPr id="4" name="Заголовок 3"/>
-          <p:cNvSpPr>
-            <a:spLocks noGrp="1"/>
-          </p:cNvSpPr>
-          <p:nvPr>
-            <p:ph type="title"/>
-          </p:nvPr>
-        </p:nvSpPr>
-        <p:spPr>
-          <a:xfrm>
-            <a:off x="677334" y="579817"/>
-            <a:ext cx="3854528" cy="400534"/>
-          </a:xfrm>
-        </p:spPr>
-        <p:txBody>
-          <a:bodyPr>
-            <a:normAutofit fontScale="90000"/>
-          </a:bodyPr>
-          <a:lstStyle/>
-          <a:p>
-            <a:r>
-              <a:rPr lang="ru-RU" dirty="0" smtClean="0"/>
-              <a:t>Описание игровых возможностей.</a:t>
-            </a:r>
-            <a:endParaRPr lang="ru-RU" dirty="0"/>
-          </a:p>
-        </p:txBody>
-      </p:sp>
-      <p:sp>
-        <p:nvSpPr>
-          <p:cNvPr id="6" name="Текст 5"/>
-          <p:cNvSpPr>
-            <a:spLocks noGrp="1"/>
-          </p:cNvSpPr>
-          <p:nvPr>
-            <p:ph type="body" sz="half" idx="2"/>
-          </p:nvPr>
-        </p:nvSpPr>
-        <p:spPr>
-          <a:xfrm>
-            <a:off x="677334" y="1371601"/>
-            <a:ext cx="3854528" cy="3989918"/>
-          </a:xfrm>
-        </p:spPr>
-        <p:txBody>
-          <a:bodyPr/>
-          <a:lstStyle/>
-          <a:p>
-            <a:r>
-              <a:rPr lang="ru-RU" dirty="0" smtClean="0"/>
-              <a:t>Возможность включить полноэкранный режим для удобства игры.</a:t>
-            </a:r>
-          </a:p>
-          <a:p>
-            <a:endParaRPr lang="ru-RU" dirty="0" smtClean="0"/>
-          </a:p>
-        </p:txBody>
-      </p:sp>
-      <p:pic>
-        <p:nvPicPr>
-          <p:cNvPr id="3" name="Объект 2"/>
-          <p:cNvPicPr>
-            <a:picLocks noGrp="1" noChangeAspect="1"/>
-          </p:cNvPicPr>
-          <p:nvPr>
-            <p:ph idx="1"/>
-          </p:nvPr>
-        </p:nvPicPr>
-        <p:blipFill>
-          <a:blip r:embed="rId2"/>
-          <a:stretch>
-            <a:fillRect/>
-          </a:stretch>
-        </p:blipFill>
-        <p:spPr>
-          <a:xfrm>
-            <a:off x="677334" y="2230772"/>
-            <a:ext cx="6261331" cy="3521997"/>
-          </a:xfrm>
-          <a:prstGeom prst="rect">
-            <a:avLst/>
-          </a:prstGeom>
-        </p:spPr>
-      </p:pic>
-    </p:spTree>
-    <p:extLst>
-      <p:ext uri="{BB962C8B-B14F-4D97-AF65-F5344CB8AC3E}">
-        <p14:creationId xmlns:p14="http://schemas.microsoft.com/office/powerpoint/2010/main" val="857124896"/>
-      </p:ext>
-    </p:extLst>
-  </p:cSld>
-  <p:clrMapOvr>
-    <a:masterClrMapping/>
-  </p:clrMapOvr>
-  <p:timing>
-    <p:tnLst>
-      <p:par>
-        <p:cTn id="1" dur="indefinite" restart="never" nodeType="tmRoot"/>
-      </p:par>
-    </p:tnLst>
-  </p:timing>
-</p:sld>
-</file>
-
-<file path=ppt/slides/slide8.xml><?xml version="1.0" encoding="utf-8"?>
-<p:sld xmlns:a="http://schemas.openxmlformats.org/drawingml/2006/main" xmlns:r="http://schemas.openxmlformats.org/officeDocument/2006/relationships" xmlns:p="http://schemas.openxmlformats.org/presentationml/2006/main">
-  <p:cSld>
-    <p:spTree>
-      <p:nvGrpSpPr>
-        <p:cNvPr id="1" name=""/>
-        <p:cNvGrpSpPr/>
-        <p:nvPr/>
-      </p:nvGrpSpPr>
-      <p:grpSpPr>
-        <a:xfrm>
-          <a:off x="0" y="0"/>
-          <a:ext cx="0" cy="0"/>
-          <a:chOff x="0" y="0"/>
-          <a:chExt cx="0" cy="0"/>
-        </a:xfrm>
-      </p:grpSpPr>
-      <p:sp>
-        <p:nvSpPr>
-          <p:cNvPr id="4" name="Заголовок 3"/>
-          <p:cNvSpPr>
-            <a:spLocks noGrp="1"/>
-          </p:cNvSpPr>
-          <p:nvPr>
-            <p:ph type="title"/>
-          </p:nvPr>
-        </p:nvSpPr>
-        <p:spPr>
-          <a:xfrm>
-            <a:off x="677334" y="579817"/>
-            <a:ext cx="3854528" cy="400534"/>
-          </a:xfrm>
-        </p:spPr>
-        <p:txBody>
-          <a:bodyPr>
-            <a:normAutofit fontScale="90000"/>
-          </a:bodyPr>
-          <a:lstStyle/>
-          <a:p>
-            <a:r>
-              <a:rPr lang="ru-RU" dirty="0" smtClean="0"/>
-              <a:t>Описание игровых возможностей.</a:t>
-            </a:r>
-            <a:endParaRPr lang="ru-RU" dirty="0"/>
-          </a:p>
-        </p:txBody>
-      </p:sp>
-      <p:sp>
-        <p:nvSpPr>
-          <p:cNvPr id="6" name="Текст 5"/>
-          <p:cNvSpPr>
-            <a:spLocks noGrp="1"/>
-          </p:cNvSpPr>
-          <p:nvPr>
-            <p:ph type="body" sz="half" idx="2"/>
-          </p:nvPr>
-        </p:nvSpPr>
-        <p:spPr>
-          <a:xfrm>
-            <a:off x="677334" y="1371601"/>
-            <a:ext cx="3854528" cy="3989918"/>
-          </a:xfrm>
-        </p:spPr>
-        <p:txBody>
-          <a:bodyPr/>
-          <a:lstStyle/>
-          <a:p>
-            <a:r>
-              <a:rPr lang="ru-RU" dirty="0" smtClean="0"/>
+              <a:rPr lang="ru-RU" sz="2000" dirty="0" smtClean="0"/>
               <a:t>Возможность включить полноэкранный режим для удобства игры.</a:t>
             </a:r>
           </a:p>
@@ -7350,7 +6113,7 @@
 </p:sld>
 </file>
 
-<file path=ppt/slides/slide9.xml><?xml version="1.0" encoding="utf-8"?>
+<file path=ppt/slides/slide11.xml><?xml version="1.0" encoding="utf-8"?>
 <p:sld xmlns:a="http://schemas.openxmlformats.org/drawingml/2006/main" xmlns:r="http://schemas.openxmlformats.org/officeDocument/2006/relationships" xmlns:p="http://schemas.openxmlformats.org/presentationml/2006/main">
   <p:cSld>
     <p:spTree>
@@ -7578,6 +6341,2258 @@
     <p:extLst>
       <p:ext uri="{BB962C8B-B14F-4D97-AF65-F5344CB8AC3E}">
         <p14:creationId xmlns:p14="http://schemas.microsoft.com/office/powerpoint/2010/main" val="622437313"/>
+      </p:ext>
+    </p:extLst>
+  </p:cSld>
+  <p:clrMapOvr>
+    <a:masterClrMapping/>
+  </p:clrMapOvr>
+  <p:timing>
+    <p:tnLst>
+      <p:par>
+        <p:cTn id="1" dur="indefinite" restart="never" nodeType="tmRoot"/>
+      </p:par>
+    </p:tnLst>
+  </p:timing>
+</p:sld>
+</file>
+
+<file path=ppt/slides/slide12.xml><?xml version="1.0" encoding="utf-8"?>
+<p:sld xmlns:a="http://schemas.openxmlformats.org/drawingml/2006/main" xmlns:r="http://schemas.openxmlformats.org/officeDocument/2006/relationships" xmlns:p="http://schemas.openxmlformats.org/presentationml/2006/main">
+  <p:cSld>
+    <p:spTree>
+      <p:nvGrpSpPr>
+        <p:cNvPr id="1" name=""/>
+        <p:cNvGrpSpPr/>
+        <p:nvPr/>
+      </p:nvGrpSpPr>
+      <p:grpSpPr>
+        <a:xfrm>
+          <a:off x="0" y="0"/>
+          <a:ext cx="0" cy="0"/>
+          <a:chOff x="0" y="0"/>
+          <a:chExt cx="0" cy="0"/>
+        </a:xfrm>
+      </p:grpSpPr>
+      <p:sp>
+        <p:nvSpPr>
+          <p:cNvPr id="4" name="Заголовок 3"/>
+          <p:cNvSpPr>
+            <a:spLocks noGrp="1"/>
+          </p:cNvSpPr>
+          <p:nvPr>
+            <p:ph type="title"/>
+          </p:nvPr>
+        </p:nvSpPr>
+        <p:spPr/>
+        <p:txBody>
+          <a:bodyPr>
+            <a:normAutofit/>
+          </a:bodyPr>
+          <a:lstStyle/>
+          <a:p>
+            <a:r>
+              <a:rPr lang="ru-RU" dirty="0" smtClean="0"/>
+              <a:t>Описание игровых возможностей.</a:t>
+            </a:r>
+            <a:endParaRPr lang="ru-RU" dirty="0"/>
+          </a:p>
+        </p:txBody>
+      </p:sp>
+      <p:sp>
+        <p:nvSpPr>
+          <p:cNvPr id="2" name="Текст 1"/>
+          <p:cNvSpPr>
+            <a:spLocks noGrp="1"/>
+          </p:cNvSpPr>
+          <p:nvPr>
+            <p:ph type="body" idx="1"/>
+          </p:nvPr>
+        </p:nvSpPr>
+        <p:spPr>
+          <a:xfrm>
+            <a:off x="675744" y="2468559"/>
+            <a:ext cx="4185623" cy="576262"/>
+          </a:xfrm>
+        </p:spPr>
+        <p:txBody>
+          <a:bodyPr/>
+          <a:lstStyle/>
+          <a:p>
+            <a:r>
+              <a:rPr lang="ru-RU" dirty="0" smtClean="0"/>
+              <a:t>Враг</a:t>
+            </a:r>
+            <a:r>
+              <a:rPr lang="en-US" dirty="0" smtClean="0"/>
+              <a:t>:4 Lava</a:t>
+            </a:r>
+            <a:r>
+              <a:rPr lang="ru-RU" dirty="0" smtClean="0"/>
+              <a:t> </a:t>
+            </a:r>
+            <a:r>
+              <a:rPr lang="en-US" dirty="0" smtClean="0"/>
+              <a:t>Slime</a:t>
+            </a:r>
+          </a:p>
+          <a:p>
+            <a:r>
+              <a:rPr lang="ru-RU" sz="1800" dirty="0" smtClean="0"/>
+              <a:t>Более хитрый по сравнению со своим зелёным собратом и </a:t>
+            </a:r>
+            <a:r>
+              <a:rPr lang="ru-RU" sz="1800" dirty="0"/>
+              <a:t>п</a:t>
+            </a:r>
+            <a:r>
+              <a:rPr lang="ru-RU" sz="1800" dirty="0" smtClean="0"/>
+              <a:t>ытается не попадаться под ваши атаки, а сам стреляет по вам под любым углом </a:t>
+            </a:r>
+            <a:endParaRPr lang="en-US" sz="1800" dirty="0" smtClean="0"/>
+          </a:p>
+        </p:txBody>
+      </p:sp>
+      <p:sp>
+        <p:nvSpPr>
+          <p:cNvPr id="5" name="Текст 4"/>
+          <p:cNvSpPr>
+            <a:spLocks noGrp="1"/>
+          </p:cNvSpPr>
+          <p:nvPr>
+            <p:ph type="body" sz="quarter" idx="3"/>
+          </p:nvPr>
+        </p:nvSpPr>
+        <p:spPr>
+          <a:xfrm>
+            <a:off x="5088384" y="2756690"/>
+            <a:ext cx="4185618" cy="576262"/>
+          </a:xfrm>
+        </p:spPr>
+        <p:txBody>
+          <a:bodyPr/>
+          <a:lstStyle/>
+          <a:p>
+            <a:r>
+              <a:rPr lang="ru-RU" dirty="0" smtClean="0"/>
+              <a:t>Враг</a:t>
+            </a:r>
+            <a:r>
+              <a:rPr lang="en-US" dirty="0" smtClean="0"/>
+              <a:t>:5 Boss</a:t>
+            </a:r>
+          </a:p>
+          <a:p>
+            <a:r>
+              <a:rPr lang="ru-RU" dirty="0" smtClean="0"/>
+              <a:t>Тоже принадлежит роду Слизней является самым крупным в своём виде</a:t>
+            </a:r>
+            <a:r>
+              <a:rPr lang="en-US" dirty="0" smtClean="0"/>
+              <a:t>.</a:t>
+            </a:r>
+            <a:r>
+              <a:rPr lang="ru-RU" dirty="0" smtClean="0"/>
+              <a:t> Имеет несколько фаз</a:t>
+            </a:r>
+            <a:r>
+              <a:rPr lang="en-US" dirty="0" smtClean="0"/>
+              <a:t> </a:t>
+            </a:r>
+            <a:r>
+              <a:rPr lang="ru-RU" dirty="0" smtClean="0"/>
+              <a:t>боя.</a:t>
+            </a:r>
+          </a:p>
+        </p:txBody>
+      </p:sp>
+      <p:pic>
+        <p:nvPicPr>
+          <p:cNvPr id="14" name="Объект 13"/>
+          <p:cNvPicPr>
+            <a:picLocks noGrp="1" noChangeAspect="1"/>
+          </p:cNvPicPr>
+          <p:nvPr>
+            <p:ph sz="quarter" idx="4"/>
+          </p:nvPr>
+        </p:nvPicPr>
+        <p:blipFill>
+          <a:blip r:embed="rId2"/>
+          <a:stretch>
+            <a:fillRect/>
+          </a:stretch>
+        </p:blipFill>
+        <p:spPr>
+          <a:xfrm>
+            <a:off x="5361664" y="3471213"/>
+            <a:ext cx="2838907" cy="2794317"/>
+          </a:xfrm>
+          <a:prstGeom prst="rect">
+            <a:avLst/>
+          </a:prstGeom>
+        </p:spPr>
+      </p:pic>
+      <p:pic>
+        <p:nvPicPr>
+          <p:cNvPr id="13" name="Объект 12"/>
+          <p:cNvPicPr>
+            <a:picLocks noGrp="1" noChangeAspect="1"/>
+          </p:cNvPicPr>
+          <p:nvPr>
+            <p:ph sz="half" idx="2"/>
+          </p:nvPr>
+        </p:nvPicPr>
+        <p:blipFill>
+          <a:blip r:embed="rId3"/>
+          <a:stretch>
+            <a:fillRect/>
+          </a:stretch>
+        </p:blipFill>
+        <p:spPr>
+          <a:xfrm>
+            <a:off x="1439181" y="3332952"/>
+            <a:ext cx="1866980" cy="1929212"/>
+          </a:xfrm>
+          <a:prstGeom prst="rect">
+            <a:avLst/>
+          </a:prstGeom>
+        </p:spPr>
+      </p:pic>
+    </p:spTree>
+    <p:extLst>
+      <p:ext uri="{BB962C8B-B14F-4D97-AF65-F5344CB8AC3E}">
+        <p14:creationId xmlns:p14="http://schemas.microsoft.com/office/powerpoint/2010/main" val="1878619053"/>
+      </p:ext>
+    </p:extLst>
+  </p:cSld>
+  <p:clrMapOvr>
+    <a:masterClrMapping/>
+  </p:clrMapOvr>
+  <p:timing>
+    <p:tnLst>
+      <p:par>
+        <p:cTn id="1" dur="indefinite" restart="never" nodeType="tmRoot"/>
+      </p:par>
+    </p:tnLst>
+  </p:timing>
+</p:sld>
+</file>
+
+<file path=ppt/slides/slide13.xml><?xml version="1.0" encoding="utf-8"?>
+<p:sld xmlns:a="http://schemas.openxmlformats.org/drawingml/2006/main" xmlns:r="http://schemas.openxmlformats.org/officeDocument/2006/relationships" xmlns:p="http://schemas.openxmlformats.org/presentationml/2006/main">
+  <p:cSld>
+    <p:spTree>
+      <p:nvGrpSpPr>
+        <p:cNvPr id="1" name=""/>
+        <p:cNvGrpSpPr/>
+        <p:nvPr/>
+      </p:nvGrpSpPr>
+      <p:grpSpPr>
+        <a:xfrm>
+          <a:off x="0" y="0"/>
+          <a:ext cx="0" cy="0"/>
+          <a:chOff x="0" y="0"/>
+          <a:chExt cx="0" cy="0"/>
+        </a:xfrm>
+      </p:grpSpPr>
+      <p:sp>
+        <p:nvSpPr>
+          <p:cNvPr id="2" name="Заголовок 1"/>
+          <p:cNvSpPr>
+            <a:spLocks noGrp="1"/>
+          </p:cNvSpPr>
+          <p:nvPr>
+            <p:ph type="title"/>
+          </p:nvPr>
+        </p:nvSpPr>
+        <p:spPr>
+          <a:xfrm>
+            <a:off x="2187238" y="611177"/>
+            <a:ext cx="3854528" cy="529170"/>
+          </a:xfrm>
+        </p:spPr>
+        <p:txBody>
+          <a:bodyPr>
+            <a:normAutofit/>
+          </a:bodyPr>
+          <a:lstStyle/>
+          <a:p>
+            <a:pPr algn="ctr"/>
+            <a:r>
+              <a:rPr lang="ru-RU" dirty="0" smtClean="0"/>
+              <a:t>предметы</a:t>
+            </a:r>
+            <a:endParaRPr lang="ru-RU" dirty="0"/>
+          </a:p>
+        </p:txBody>
+      </p:sp>
+      <p:pic>
+        <p:nvPicPr>
+          <p:cNvPr id="11" name="Объект 10"/>
+          <p:cNvPicPr>
+            <a:picLocks noGrp="1" noChangeAspect="1"/>
+          </p:cNvPicPr>
+          <p:nvPr>
+            <p:ph idx="1"/>
+          </p:nvPr>
+        </p:nvPicPr>
+        <p:blipFill>
+          <a:blip r:embed="rId2"/>
+          <a:stretch>
+            <a:fillRect/>
+          </a:stretch>
+        </p:blipFill>
+        <p:spPr>
+          <a:xfrm>
+            <a:off x="6371390" y="2890490"/>
+            <a:ext cx="478409" cy="414621"/>
+          </a:xfrm>
+          <a:prstGeom prst="rect">
+            <a:avLst/>
+          </a:prstGeom>
+        </p:spPr>
+      </p:pic>
+      <p:sp>
+        <p:nvSpPr>
+          <p:cNvPr id="8" name="Текст 7"/>
+          <p:cNvSpPr>
+            <a:spLocks noGrp="1"/>
+          </p:cNvSpPr>
+          <p:nvPr>
+            <p:ph type="body" sz="half" idx="2"/>
+          </p:nvPr>
+        </p:nvSpPr>
+        <p:spPr>
+          <a:xfrm>
+            <a:off x="2187238" y="1140347"/>
+            <a:ext cx="3854528" cy="4997267"/>
+          </a:xfrm>
+        </p:spPr>
+        <p:txBody>
+          <a:bodyPr/>
+          <a:lstStyle/>
+          <a:p>
+            <a:r>
+              <a:rPr lang="en-US" dirty="0" smtClean="0"/>
+              <a:t>1)</a:t>
+            </a:r>
+            <a:r>
+              <a:rPr lang="ru-RU" dirty="0" smtClean="0"/>
+              <a:t>Монета выпадает с любого противника с шансом около </a:t>
+            </a:r>
+            <a:r>
+              <a:rPr lang="ru-RU" b="1" dirty="0" smtClean="0"/>
+              <a:t>25 %</a:t>
+            </a:r>
+            <a:r>
+              <a:rPr lang="ru-RU" dirty="0" smtClean="0"/>
+              <a:t> при подборе начисляется </a:t>
+            </a:r>
+            <a:r>
+              <a:rPr lang="ru-RU" b="1" dirty="0" smtClean="0"/>
+              <a:t>от 1 до 2 </a:t>
+            </a:r>
+            <a:r>
+              <a:rPr lang="ru-RU" dirty="0" smtClean="0"/>
+              <a:t>нужны для покупок в магазине.</a:t>
+            </a:r>
+            <a:endParaRPr lang="ru-RU" b="1" dirty="0" smtClean="0"/>
+          </a:p>
+          <a:p>
+            <a:r>
+              <a:rPr lang="ru-RU" dirty="0" smtClean="0"/>
+              <a:t>2)Щит при полном </a:t>
+            </a:r>
+            <a:r>
+              <a:rPr lang="ru-RU" dirty="0" err="1" smtClean="0"/>
+              <a:t>хп</a:t>
+            </a:r>
+            <a:r>
+              <a:rPr lang="ru-RU" dirty="0" smtClean="0"/>
+              <a:t> добавляется как доп. </a:t>
+            </a:r>
+            <a:r>
+              <a:rPr lang="ru-RU" dirty="0" err="1" smtClean="0"/>
+              <a:t>хп</a:t>
+            </a:r>
+            <a:r>
+              <a:rPr lang="ru-RU" dirty="0" smtClean="0"/>
+              <a:t> которое не восстанавливается при утрате.</a:t>
+            </a:r>
+          </a:p>
+          <a:p>
+            <a:r>
+              <a:rPr lang="ru-RU" dirty="0" smtClean="0"/>
+              <a:t>3)Красное сердечко восстанавливает 1 </a:t>
+            </a:r>
+            <a:r>
+              <a:rPr lang="ru-RU" dirty="0" err="1" smtClean="0"/>
+              <a:t>хп</a:t>
+            </a:r>
+            <a:r>
+              <a:rPr lang="ru-RU" dirty="0" smtClean="0"/>
+              <a:t> </a:t>
+            </a:r>
+            <a:r>
+              <a:rPr lang="ru-RU" i="1" u="sng" dirty="0" smtClean="0"/>
+              <a:t>не больше максимума</a:t>
+            </a:r>
+            <a:r>
+              <a:rPr lang="ru-RU" dirty="0" smtClean="0"/>
+              <a:t>.</a:t>
+            </a:r>
+          </a:p>
+          <a:p>
+            <a:r>
+              <a:rPr lang="ru-RU" dirty="0" smtClean="0"/>
+              <a:t>4)Золотое сердечко </a:t>
+            </a:r>
+            <a:r>
+              <a:rPr lang="ru-RU" b="1" dirty="0" smtClean="0"/>
+              <a:t>повышает максимум </a:t>
+            </a:r>
+            <a:r>
+              <a:rPr lang="ru-RU" b="1" dirty="0" err="1" smtClean="0"/>
+              <a:t>хп</a:t>
+            </a:r>
+            <a:r>
+              <a:rPr lang="ru-RU" b="1" dirty="0" smtClean="0"/>
+              <a:t> </a:t>
+            </a:r>
+            <a:r>
+              <a:rPr lang="ru-RU" dirty="0" smtClean="0"/>
+              <a:t>на 1 , а после лечит как красное сердечко</a:t>
+            </a:r>
+            <a:r>
+              <a:rPr lang="en-US" dirty="0" smtClean="0"/>
+              <a:t> </a:t>
+            </a:r>
+            <a:r>
+              <a:rPr lang="ru-RU" dirty="0" smtClean="0"/>
+              <a:t>можно купить у торговца перед боссом за 6 монет </a:t>
+            </a:r>
+            <a:r>
+              <a:rPr lang="ru-RU" dirty="0"/>
+              <a:t>или выбить с шансом 1</a:t>
+            </a:r>
+            <a:r>
+              <a:rPr lang="ru-RU" dirty="0" smtClean="0"/>
+              <a:t>%.</a:t>
+            </a:r>
+            <a:endParaRPr lang="en-US" dirty="0" smtClean="0"/>
+          </a:p>
+          <a:p>
+            <a:r>
+              <a:rPr lang="en-US" dirty="0" smtClean="0"/>
+              <a:t>5). </a:t>
+            </a:r>
+            <a:r>
+              <a:rPr lang="ru-RU" dirty="0" smtClean="0"/>
+              <a:t>Скорострельность повышает скорострельность персонажа можно купить  за 12 монет перед боссом или выбить с шансом 1%</a:t>
+            </a:r>
+          </a:p>
+          <a:p>
+            <a:r>
+              <a:rPr lang="ru-RU" dirty="0" smtClean="0"/>
+              <a:t>6).Урон повышает урон на 1 </a:t>
+            </a:r>
+            <a:r>
+              <a:rPr lang="ru-RU" dirty="0" err="1" smtClean="0"/>
+              <a:t>ед</a:t>
+            </a:r>
+            <a:r>
+              <a:rPr lang="ru-RU" dirty="0" smtClean="0"/>
+              <a:t> </a:t>
+            </a:r>
+            <a:r>
+              <a:rPr lang="ru-RU" dirty="0"/>
+              <a:t>можно купить  за </a:t>
+            </a:r>
+            <a:r>
+              <a:rPr lang="ru-RU" dirty="0" smtClean="0"/>
+              <a:t>10 </a:t>
+            </a:r>
+            <a:r>
+              <a:rPr lang="ru-RU" dirty="0"/>
+              <a:t>монет перед боссом или выбить с шансом 1%</a:t>
+            </a:r>
+          </a:p>
+          <a:p>
+            <a:endParaRPr lang="ru-RU" dirty="0"/>
+          </a:p>
+        </p:txBody>
+      </p:sp>
+      <p:pic>
+        <p:nvPicPr>
+          <p:cNvPr id="9" name="Рисунок 8"/>
+          <p:cNvPicPr>
+            <a:picLocks noChangeAspect="1"/>
+          </p:cNvPicPr>
+          <p:nvPr/>
+        </p:nvPicPr>
+        <p:blipFill>
+          <a:blip r:embed="rId3"/>
+          <a:stretch>
+            <a:fillRect/>
+          </a:stretch>
+        </p:blipFill>
+        <p:spPr>
+          <a:xfrm>
+            <a:off x="6272328" y="1157323"/>
+            <a:ext cx="676499" cy="657710"/>
+          </a:xfrm>
+          <a:prstGeom prst="rect">
+            <a:avLst/>
+          </a:prstGeom>
+        </p:spPr>
+      </p:pic>
+      <p:pic>
+        <p:nvPicPr>
+          <p:cNvPr id="10" name="Рисунок 9"/>
+          <p:cNvPicPr>
+            <a:picLocks noChangeAspect="1"/>
+          </p:cNvPicPr>
+          <p:nvPr/>
+        </p:nvPicPr>
+        <p:blipFill>
+          <a:blip r:embed="rId4"/>
+          <a:stretch>
+            <a:fillRect/>
+          </a:stretch>
+        </p:blipFill>
+        <p:spPr>
+          <a:xfrm>
+            <a:off x="6371390" y="2206064"/>
+            <a:ext cx="478373" cy="478373"/>
+          </a:xfrm>
+          <a:prstGeom prst="rect">
+            <a:avLst/>
+          </a:prstGeom>
+        </p:spPr>
+      </p:pic>
+      <p:pic>
+        <p:nvPicPr>
+          <p:cNvPr id="12" name="Рисунок 11"/>
+          <p:cNvPicPr>
+            <a:picLocks noChangeAspect="1"/>
+          </p:cNvPicPr>
+          <p:nvPr/>
+        </p:nvPicPr>
+        <p:blipFill>
+          <a:blip r:embed="rId5"/>
+          <a:stretch>
+            <a:fillRect/>
+          </a:stretch>
+        </p:blipFill>
+        <p:spPr>
+          <a:xfrm>
+            <a:off x="6371390" y="3722517"/>
+            <a:ext cx="478373" cy="414591"/>
+          </a:xfrm>
+          <a:prstGeom prst="rect">
+            <a:avLst/>
+          </a:prstGeom>
+        </p:spPr>
+      </p:pic>
+      <p:pic>
+        <p:nvPicPr>
+          <p:cNvPr id="13" name="Рисунок 12"/>
+          <p:cNvPicPr>
+            <a:picLocks noChangeAspect="1"/>
+          </p:cNvPicPr>
+          <p:nvPr/>
+        </p:nvPicPr>
+        <p:blipFill>
+          <a:blip r:embed="rId6"/>
+          <a:stretch>
+            <a:fillRect/>
+          </a:stretch>
+        </p:blipFill>
+        <p:spPr>
+          <a:xfrm>
+            <a:off x="6371389" y="4554514"/>
+            <a:ext cx="478408" cy="598008"/>
+          </a:xfrm>
+          <a:prstGeom prst="rect">
+            <a:avLst/>
+          </a:prstGeom>
+        </p:spPr>
+      </p:pic>
+      <p:pic>
+        <p:nvPicPr>
+          <p:cNvPr id="14" name="Рисунок 13"/>
+          <p:cNvPicPr>
+            <a:picLocks noChangeAspect="1"/>
+          </p:cNvPicPr>
+          <p:nvPr/>
+        </p:nvPicPr>
+        <p:blipFill>
+          <a:blip r:embed="rId7"/>
+          <a:stretch>
+            <a:fillRect/>
+          </a:stretch>
+        </p:blipFill>
+        <p:spPr>
+          <a:xfrm>
+            <a:off x="6371389" y="5539648"/>
+            <a:ext cx="478373" cy="597966"/>
+          </a:xfrm>
+          <a:prstGeom prst="rect">
+            <a:avLst/>
+          </a:prstGeom>
+        </p:spPr>
+      </p:pic>
+    </p:spTree>
+    <p:extLst>
+      <p:ext uri="{BB962C8B-B14F-4D97-AF65-F5344CB8AC3E}">
+        <p14:creationId xmlns:p14="http://schemas.microsoft.com/office/powerpoint/2010/main" val="3773133006"/>
+      </p:ext>
+    </p:extLst>
+  </p:cSld>
+  <p:clrMapOvr>
+    <a:masterClrMapping/>
+  </p:clrMapOvr>
+  <p:timing>
+    <p:tnLst>
+      <p:par>
+        <p:cTn id="1" dur="indefinite" restart="never" nodeType="tmRoot"/>
+      </p:par>
+    </p:tnLst>
+  </p:timing>
+</p:sld>
+</file>
+
+<file path=ppt/slides/slide14.xml><?xml version="1.0" encoding="utf-8"?>
+<p:sld xmlns:a="http://schemas.openxmlformats.org/drawingml/2006/main" xmlns:r="http://schemas.openxmlformats.org/officeDocument/2006/relationships" xmlns:p="http://schemas.openxmlformats.org/presentationml/2006/main">
+  <p:cSld>
+    <p:spTree>
+      <p:nvGrpSpPr>
+        <p:cNvPr id="1" name=""/>
+        <p:cNvGrpSpPr/>
+        <p:nvPr/>
+      </p:nvGrpSpPr>
+      <p:grpSpPr>
+        <a:xfrm>
+          <a:off x="0" y="0"/>
+          <a:ext cx="0" cy="0"/>
+          <a:chOff x="0" y="0"/>
+          <a:chExt cx="0" cy="0"/>
+        </a:xfrm>
+      </p:grpSpPr>
+      <p:sp>
+        <p:nvSpPr>
+          <p:cNvPr id="2" name="Заголовок 1"/>
+          <p:cNvSpPr>
+            <a:spLocks noGrp="1"/>
+          </p:cNvSpPr>
+          <p:nvPr>
+            <p:ph type="title"/>
+          </p:nvPr>
+        </p:nvSpPr>
+        <p:spPr/>
+        <p:txBody>
+          <a:bodyPr/>
+          <a:lstStyle/>
+          <a:p>
+            <a:r>
+              <a:rPr lang="ru-RU" dirty="0" smtClean="0"/>
+              <a:t>Заключение</a:t>
+            </a:r>
+            <a:endParaRPr lang="ru-RU" dirty="0"/>
+          </a:p>
+        </p:txBody>
+      </p:sp>
+      <p:sp>
+        <p:nvSpPr>
+          <p:cNvPr id="3" name="Объект 2"/>
+          <p:cNvSpPr>
+            <a:spLocks noGrp="1"/>
+          </p:cNvSpPr>
+          <p:nvPr>
+            <p:ph idx="1"/>
+          </p:nvPr>
+        </p:nvSpPr>
+        <p:spPr>
+          <a:xfrm>
+            <a:off x="677334" y="1930400"/>
+            <a:ext cx="8596668" cy="3880773"/>
+          </a:xfrm>
+        </p:spPr>
+        <p:txBody>
+          <a:bodyPr/>
+          <a:lstStyle/>
+          <a:p>
+            <a:pPr marL="0" indent="0">
+              <a:buNone/>
+            </a:pPr>
+            <a:r>
+              <a:rPr lang="ru-RU" sz="2800" b="1" dirty="0" smtClean="0"/>
+              <a:t>Выводы по работе</a:t>
+            </a:r>
+            <a:r>
+              <a:rPr lang="en-US" sz="2800" b="1" dirty="0" smtClean="0"/>
+              <a:t>:</a:t>
+            </a:r>
+          </a:p>
+          <a:p>
+            <a:pPr marL="0" indent="0">
+              <a:buNone/>
+            </a:pPr>
+            <a:r>
+              <a:rPr lang="en-US" dirty="0"/>
+              <a:t>	</a:t>
+            </a:r>
+            <a:r>
+              <a:rPr lang="ru-RU" sz="2400" dirty="0" smtClean="0"/>
+              <a:t>Основные задачи</a:t>
+            </a:r>
+            <a:r>
+              <a:rPr lang="en-US" sz="2400" dirty="0" smtClean="0"/>
+              <a:t> </a:t>
+            </a:r>
+            <a:r>
+              <a:rPr lang="ru-RU" sz="2400" dirty="0" smtClean="0"/>
+              <a:t>поставленные перед выполнением проекта были реализованы.</a:t>
+            </a:r>
+          </a:p>
+          <a:p>
+            <a:pPr marL="0" indent="0">
+              <a:buNone/>
+            </a:pPr>
+            <a:r>
+              <a:rPr lang="ru-RU" sz="2800" b="1" dirty="0" smtClean="0"/>
+              <a:t>Возможности для доработки и развития</a:t>
+            </a:r>
+            <a:r>
+              <a:rPr lang="en-US" sz="2800" b="1" dirty="0" smtClean="0"/>
+              <a:t>:</a:t>
+            </a:r>
+          </a:p>
+          <a:p>
+            <a:pPr marL="0" indent="0">
+              <a:buNone/>
+            </a:pPr>
+            <a:r>
+              <a:rPr lang="ru-RU" dirty="0" smtClean="0"/>
+              <a:t>	</a:t>
+            </a:r>
+            <a:r>
+              <a:rPr lang="ru-RU" sz="2400" dirty="0" smtClean="0"/>
+              <a:t>Безусловно остались возможности для дальнейшего развития проекта</a:t>
+            </a:r>
+            <a:r>
+              <a:rPr lang="en-US" sz="2400" dirty="0" smtClean="0"/>
+              <a:t> </a:t>
+            </a:r>
+            <a:r>
+              <a:rPr lang="ru-RU" sz="2400" dirty="0" smtClean="0"/>
+              <a:t>такие как добавления новых функции и доработка старых.</a:t>
+            </a:r>
+            <a:endParaRPr lang="en-US" sz="2400" b="1" dirty="0" smtClean="0"/>
+          </a:p>
+        </p:txBody>
+      </p:sp>
+    </p:spTree>
+    <p:extLst>
+      <p:ext uri="{BB962C8B-B14F-4D97-AF65-F5344CB8AC3E}">
+        <p14:creationId xmlns:p14="http://schemas.microsoft.com/office/powerpoint/2010/main" val="4266296490"/>
+      </p:ext>
+    </p:extLst>
+  </p:cSld>
+  <p:clrMapOvr>
+    <a:masterClrMapping/>
+  </p:clrMapOvr>
+  <p:timing>
+    <p:tnLst>
+      <p:par>
+        <p:cTn id="1" dur="indefinite" restart="never" nodeType="tmRoot"/>
+      </p:par>
+    </p:tnLst>
+  </p:timing>
+</p:sld>
+</file>
+
+<file path=ppt/slides/slide15.xml><?xml version="1.0" encoding="utf-8"?>
+<p:sld xmlns:a="http://schemas.openxmlformats.org/drawingml/2006/main" xmlns:r="http://schemas.openxmlformats.org/officeDocument/2006/relationships" xmlns:p="http://schemas.openxmlformats.org/presentationml/2006/main">
+  <p:cSld>
+    <p:spTree>
+      <p:nvGrpSpPr>
+        <p:cNvPr id="1" name=""/>
+        <p:cNvGrpSpPr/>
+        <p:nvPr/>
+      </p:nvGrpSpPr>
+      <p:grpSpPr>
+        <a:xfrm>
+          <a:off x="0" y="0"/>
+          <a:ext cx="0" cy="0"/>
+          <a:chOff x="0" y="0"/>
+          <a:chExt cx="0" cy="0"/>
+        </a:xfrm>
+      </p:grpSpPr>
+      <p:sp>
+        <p:nvSpPr>
+          <p:cNvPr id="4" name="Заголовок 3"/>
+          <p:cNvSpPr>
+            <a:spLocks noGrp="1"/>
+          </p:cNvSpPr>
+          <p:nvPr>
+            <p:ph type="title"/>
+          </p:nvPr>
+        </p:nvSpPr>
+        <p:spPr/>
+        <p:txBody>
+          <a:bodyPr/>
+          <a:lstStyle/>
+          <a:p>
+            <a:pPr algn="ctr"/>
+            <a:r>
+              <a:rPr lang="ru-RU" dirty="0" smtClean="0"/>
+              <a:t>Спасибо за внимание</a:t>
+            </a:r>
+            <a:endParaRPr lang="ru-RU" dirty="0"/>
+          </a:p>
+        </p:txBody>
+      </p:sp>
+    </p:spTree>
+    <p:extLst>
+      <p:ext uri="{BB962C8B-B14F-4D97-AF65-F5344CB8AC3E}">
+        <p14:creationId xmlns:p14="http://schemas.microsoft.com/office/powerpoint/2010/main" val="2283289670"/>
+      </p:ext>
+    </p:extLst>
+  </p:cSld>
+  <p:clrMapOvr>
+    <a:masterClrMapping/>
+  </p:clrMapOvr>
+  <p:timing>
+    <p:tnLst>
+      <p:par>
+        <p:cTn id="1" dur="indefinite" restart="never" nodeType="tmRoot"/>
+      </p:par>
+    </p:tnLst>
+  </p:timing>
+</p:sld>
+</file>
+
+<file path=ppt/slides/slide2.xml><?xml version="1.0" encoding="utf-8"?>
+<p:sld xmlns:a="http://schemas.openxmlformats.org/drawingml/2006/main" xmlns:r="http://schemas.openxmlformats.org/officeDocument/2006/relationships" xmlns:p="http://schemas.openxmlformats.org/presentationml/2006/main">
+  <p:cSld>
+    <p:spTree>
+      <p:nvGrpSpPr>
+        <p:cNvPr id="1" name=""/>
+        <p:cNvGrpSpPr/>
+        <p:nvPr/>
+      </p:nvGrpSpPr>
+      <p:grpSpPr>
+        <a:xfrm>
+          <a:off x="0" y="0"/>
+          <a:ext cx="0" cy="0"/>
+          <a:chOff x="0" y="0"/>
+          <a:chExt cx="0" cy="0"/>
+        </a:xfrm>
+      </p:grpSpPr>
+      <p:sp>
+        <p:nvSpPr>
+          <p:cNvPr id="2" name="Заголовок 1"/>
+          <p:cNvSpPr>
+            <a:spLocks noGrp="1"/>
+          </p:cNvSpPr>
+          <p:nvPr>
+            <p:ph type="title"/>
+          </p:nvPr>
+        </p:nvSpPr>
+        <p:spPr/>
+        <p:txBody>
+          <a:bodyPr/>
+          <a:lstStyle/>
+          <a:p>
+            <a:r>
+              <a:rPr lang="ru-RU" dirty="0" smtClean="0"/>
+              <a:t>Введение</a:t>
+            </a:r>
+            <a:r>
+              <a:rPr lang="en-US" dirty="0" smtClean="0"/>
+              <a:t>:</a:t>
+            </a:r>
+            <a:endParaRPr lang="ru-RU" dirty="0"/>
+          </a:p>
+        </p:txBody>
+      </p:sp>
+      <p:sp>
+        <p:nvSpPr>
+          <p:cNvPr id="3" name="Объект 2"/>
+          <p:cNvSpPr>
+            <a:spLocks noGrp="1"/>
+          </p:cNvSpPr>
+          <p:nvPr>
+            <p:ph idx="1"/>
+          </p:nvPr>
+        </p:nvSpPr>
+        <p:spPr/>
+        <p:txBody>
+          <a:bodyPr/>
+          <a:lstStyle/>
+          <a:p>
+            <a:pPr marL="0" indent="0">
+              <a:buNone/>
+            </a:pPr>
+            <a:r>
+              <a:rPr lang="en-US" sz="2800" b="1" dirty="0" smtClean="0"/>
+              <a:t>	</a:t>
+            </a:r>
+            <a:r>
+              <a:rPr lang="ru-RU" sz="2800" b="1" dirty="0" smtClean="0"/>
+              <a:t>Идея проекта</a:t>
+            </a:r>
+            <a:r>
+              <a:rPr lang="en-US" sz="2800" b="1" dirty="0" smtClean="0"/>
+              <a:t>:</a:t>
+            </a:r>
+            <a:r>
+              <a:rPr lang="ru-RU" sz="2800" b="1" dirty="0" smtClean="0"/>
+              <a:t> написать интересную игру</a:t>
+            </a:r>
+            <a:r>
+              <a:rPr lang="en-US" sz="2800" b="1" dirty="0" smtClean="0"/>
+              <a:t>,</a:t>
+            </a:r>
+            <a:r>
+              <a:rPr lang="ru-RU" sz="2800" b="1" dirty="0" smtClean="0"/>
+              <a:t> способную бросить вызов игроку при её прохождении</a:t>
+            </a:r>
+            <a:r>
+              <a:rPr lang="en-US" sz="2800" b="1" dirty="0" smtClean="0"/>
+              <a:t>, </a:t>
+            </a:r>
+            <a:r>
+              <a:rPr lang="ru-RU" sz="2800" b="1" dirty="0" smtClean="0"/>
+              <a:t>и научиться использовать широкий спектр возможностей библиотеки </a:t>
+            </a:r>
+            <a:r>
+              <a:rPr lang="en-US" sz="2800" b="1" dirty="0" err="1" smtClean="0"/>
+              <a:t>pygame</a:t>
+            </a:r>
+            <a:r>
+              <a:rPr lang="ru-RU" sz="2800" b="1" dirty="0" smtClean="0"/>
+              <a:t>. </a:t>
+            </a:r>
+            <a:r>
+              <a:rPr lang="ru-RU" sz="2800" b="1" dirty="0"/>
+              <a:t> </a:t>
+            </a:r>
+            <a:r>
+              <a:rPr lang="ru-RU" sz="2800" b="1" dirty="0" smtClean="0"/>
+              <a:t>Реализация и надуть вид сложность </a:t>
+            </a:r>
+            <a:endParaRPr lang="en-US" sz="2800" b="1" dirty="0" smtClean="0"/>
+          </a:p>
+          <a:p>
+            <a:pPr marL="0" indent="0">
+              <a:buNone/>
+            </a:pPr>
+            <a:endParaRPr lang="ru-RU" sz="2400" dirty="0" smtClean="0"/>
+          </a:p>
+          <a:p>
+            <a:pPr marL="0" indent="0">
+              <a:buNone/>
+            </a:pPr>
+            <a:endParaRPr lang="ru-RU" sz="2400" dirty="0" smtClean="0"/>
+          </a:p>
+          <a:p>
+            <a:pPr marL="0" indent="0">
+              <a:buNone/>
+            </a:pPr>
+            <a:r>
+              <a:rPr lang="ru-RU" dirty="0"/>
+              <a:t>	</a:t>
+            </a:r>
+          </a:p>
+        </p:txBody>
+      </p:sp>
+    </p:spTree>
+    <p:extLst>
+      <p:ext uri="{BB962C8B-B14F-4D97-AF65-F5344CB8AC3E}">
+        <p14:creationId xmlns:p14="http://schemas.microsoft.com/office/powerpoint/2010/main" val="1054445538"/>
+      </p:ext>
+    </p:extLst>
+  </p:cSld>
+  <p:clrMapOvr>
+    <a:masterClrMapping/>
+  </p:clrMapOvr>
+  <p:timing>
+    <p:tnLst>
+      <p:par>
+        <p:cTn id="1" dur="indefinite" restart="never" nodeType="tmRoot"/>
+      </p:par>
+    </p:tnLst>
+  </p:timing>
+</p:sld>
+</file>
+
+<file path=ppt/slides/slide3.xml><?xml version="1.0" encoding="utf-8"?>
+<p:sld xmlns:a="http://schemas.openxmlformats.org/drawingml/2006/main" xmlns:r="http://schemas.openxmlformats.org/officeDocument/2006/relationships" xmlns:p="http://schemas.openxmlformats.org/presentationml/2006/main">
+  <p:cSld>
+    <p:spTree>
+      <p:nvGrpSpPr>
+        <p:cNvPr id="1" name=""/>
+        <p:cNvGrpSpPr/>
+        <p:nvPr/>
+      </p:nvGrpSpPr>
+      <p:grpSpPr>
+        <a:xfrm>
+          <a:off x="0" y="0"/>
+          <a:ext cx="0" cy="0"/>
+          <a:chOff x="0" y="0"/>
+          <a:chExt cx="0" cy="0"/>
+        </a:xfrm>
+      </p:grpSpPr>
+      <p:sp>
+        <p:nvSpPr>
+          <p:cNvPr id="2" name="Заголовок 1"/>
+          <p:cNvSpPr>
+            <a:spLocks noGrp="1"/>
+          </p:cNvSpPr>
+          <p:nvPr>
+            <p:ph type="title"/>
+          </p:nvPr>
+        </p:nvSpPr>
+        <p:spPr/>
+        <p:txBody>
+          <a:bodyPr/>
+          <a:lstStyle/>
+          <a:p>
+            <a:r>
+              <a:rPr lang="ru-RU" dirty="0" smtClean="0"/>
+              <a:t>Описание реализации</a:t>
+            </a:r>
+            <a:r>
+              <a:rPr lang="en-US" dirty="0" smtClean="0"/>
+              <a:t>:</a:t>
+            </a:r>
+            <a:endParaRPr lang="ru-RU" dirty="0"/>
+          </a:p>
+        </p:txBody>
+      </p:sp>
+      <p:sp>
+        <p:nvSpPr>
+          <p:cNvPr id="3" name="Объект 2"/>
+          <p:cNvSpPr>
+            <a:spLocks noGrp="1"/>
+          </p:cNvSpPr>
+          <p:nvPr>
+            <p:ph idx="1"/>
+          </p:nvPr>
+        </p:nvSpPr>
+        <p:spPr>
+          <a:xfrm>
+            <a:off x="677334" y="1588168"/>
+            <a:ext cx="8596668" cy="4886332"/>
+          </a:xfrm>
+        </p:spPr>
+        <p:txBody>
+          <a:bodyPr>
+            <a:normAutofit lnSpcReduction="10000"/>
+          </a:bodyPr>
+          <a:lstStyle/>
+          <a:p>
+            <a:pPr marL="0" indent="0">
+              <a:buNone/>
+            </a:pPr>
+            <a:r>
+              <a:rPr lang="ru-RU" sz="2400" dirty="0" smtClean="0"/>
+              <a:t>	</a:t>
+            </a:r>
+            <a:r>
+              <a:rPr lang="ru-RU" sz="2600" b="1" dirty="0" smtClean="0"/>
+              <a:t>Для реализации данного проекта было написано </a:t>
+            </a:r>
+            <a:r>
+              <a:rPr lang="en-US" sz="2600" b="1" dirty="0" smtClean="0"/>
+              <a:t>9</a:t>
+            </a:r>
+            <a:r>
+              <a:rPr lang="ru-RU" sz="2600" b="1" dirty="0" smtClean="0"/>
+              <a:t> </a:t>
+            </a:r>
+            <a:r>
+              <a:rPr lang="ru-RU" sz="2600" b="1" dirty="0" smtClean="0"/>
+              <a:t>основных классов</a:t>
+            </a:r>
+            <a:r>
+              <a:rPr lang="en-US" sz="2600" b="1" dirty="0" smtClean="0"/>
+              <a:t>:</a:t>
+            </a:r>
+          </a:p>
+          <a:p>
+            <a:pPr marL="0" indent="0">
+              <a:buNone/>
+            </a:pPr>
+            <a:r>
+              <a:rPr lang="ru-RU" sz="2400" dirty="0" smtClean="0"/>
+              <a:t>1). Класс </a:t>
+            </a:r>
+            <a:r>
+              <a:rPr lang="en-US" sz="2400" dirty="0"/>
+              <a:t>Heart: </a:t>
+            </a:r>
+            <a:r>
+              <a:rPr lang="ru-RU" sz="2400" dirty="0"/>
+              <a:t>служит для расчёта и отображения количества жизней персонажа, а также</a:t>
+            </a:r>
+            <a:r>
+              <a:rPr lang="en-US" sz="2400" dirty="0"/>
+              <a:t> </a:t>
+            </a:r>
+            <a:r>
+              <a:rPr lang="ru-RU" sz="2400" dirty="0"/>
+              <a:t>для взаимодействия сними написана функция </a:t>
+            </a:r>
+            <a:r>
+              <a:rPr lang="en-US" sz="2400" dirty="0" smtClean="0"/>
+              <a:t>hit</a:t>
+            </a:r>
+            <a:endParaRPr lang="ru-RU" sz="2400" dirty="0" smtClean="0"/>
+          </a:p>
+          <a:p>
+            <a:pPr marL="0" indent="0">
+              <a:buNone/>
+            </a:pPr>
+            <a:r>
+              <a:rPr lang="ru-RU" sz="2400" dirty="0" smtClean="0"/>
+              <a:t>2). Класс </a:t>
+            </a:r>
+            <a:r>
+              <a:rPr lang="en-US" sz="2400" dirty="0" smtClean="0"/>
+              <a:t>Wall:</a:t>
+            </a:r>
+            <a:r>
+              <a:rPr lang="ru-RU" sz="2400" dirty="0" smtClean="0"/>
+              <a:t> служит для</a:t>
+            </a:r>
+            <a:r>
+              <a:rPr lang="en-US" sz="2400" dirty="0" smtClean="0"/>
+              <a:t> </a:t>
+            </a:r>
+            <a:r>
+              <a:rPr lang="ru-RU" sz="2400" dirty="0" smtClean="0"/>
+              <a:t>расчёта и расположения  стен</a:t>
+            </a:r>
+          </a:p>
+          <a:p>
+            <a:pPr marL="0" indent="0">
+              <a:buNone/>
+            </a:pPr>
+            <a:r>
+              <a:rPr lang="ru-RU" sz="2400" dirty="0" smtClean="0"/>
+              <a:t>3). Класс </a:t>
+            </a:r>
+            <a:r>
+              <a:rPr lang="en-US" sz="2400" dirty="0" smtClean="0"/>
+              <a:t>Box: </a:t>
+            </a:r>
+            <a:r>
+              <a:rPr lang="ru-RU" sz="2400" dirty="0" smtClean="0"/>
+              <a:t>служит для создания ящиков(препятствий) </a:t>
+            </a:r>
+          </a:p>
+          <a:p>
+            <a:pPr marL="0" indent="0">
+              <a:buNone/>
+            </a:pPr>
+            <a:r>
+              <a:rPr lang="ru-RU" sz="2400" dirty="0" smtClean="0"/>
+              <a:t>4). Класс </a:t>
+            </a:r>
+            <a:r>
+              <a:rPr lang="en-US" sz="2400" dirty="0" smtClean="0"/>
+              <a:t>Thorns(Box):</a:t>
+            </a:r>
+            <a:r>
+              <a:rPr lang="ru-RU" sz="2400" dirty="0" smtClean="0"/>
+              <a:t> служит для создания шипов на основе ящиков и обработке их взаимодействия с игроком.</a:t>
+            </a:r>
+          </a:p>
+          <a:p>
+            <a:pPr marL="0" indent="0">
+              <a:buNone/>
+            </a:pPr>
+            <a:r>
+              <a:rPr lang="ru-RU" sz="2400" dirty="0" smtClean="0"/>
+              <a:t>5). Класс </a:t>
+            </a:r>
+            <a:r>
+              <a:rPr lang="en-US" sz="2400" dirty="0" smtClean="0"/>
+              <a:t>Door:</a:t>
+            </a:r>
+            <a:r>
+              <a:rPr lang="ru-RU" sz="2400" dirty="0" smtClean="0"/>
+              <a:t> служит для создания, отображения и взаимодействию дверей</a:t>
+            </a:r>
+            <a:r>
+              <a:rPr lang="en-US" sz="2400" dirty="0" smtClean="0"/>
+              <a:t> </a:t>
+            </a:r>
+            <a:r>
+              <a:rPr lang="ru-RU" sz="2400" dirty="0" smtClean="0"/>
+              <a:t>и порталов, а также для перемещения игрока между комнатами и этажами</a:t>
+            </a:r>
+            <a:r>
+              <a:rPr lang="en-US" sz="2400" dirty="0"/>
+              <a:t>.</a:t>
+            </a:r>
+            <a:r>
+              <a:rPr lang="ru-RU" sz="2400" dirty="0" smtClean="0"/>
+              <a:t> </a:t>
+            </a:r>
+            <a:endParaRPr lang="ru-RU" sz="2400" dirty="0"/>
+          </a:p>
+        </p:txBody>
+      </p:sp>
+    </p:spTree>
+    <p:extLst>
+      <p:ext uri="{BB962C8B-B14F-4D97-AF65-F5344CB8AC3E}">
+        <p14:creationId xmlns:p14="http://schemas.microsoft.com/office/powerpoint/2010/main" val="2644860482"/>
+      </p:ext>
+    </p:extLst>
+  </p:cSld>
+  <p:clrMapOvr>
+    <a:masterClrMapping/>
+  </p:clrMapOvr>
+  <p:timing>
+    <p:tnLst>
+      <p:par>
+        <p:cTn id="1" dur="indefinite" restart="never" nodeType="tmRoot"/>
+      </p:par>
+    </p:tnLst>
+  </p:timing>
+</p:sld>
+</file>
+
+<file path=ppt/slides/slide4.xml><?xml version="1.0" encoding="utf-8"?>
+<p:sld xmlns:a="http://schemas.openxmlformats.org/drawingml/2006/main" xmlns:r="http://schemas.openxmlformats.org/officeDocument/2006/relationships" xmlns:p="http://schemas.openxmlformats.org/presentationml/2006/main">
+  <p:cSld>
+    <p:spTree>
+      <p:nvGrpSpPr>
+        <p:cNvPr id="1" name=""/>
+        <p:cNvGrpSpPr/>
+        <p:nvPr/>
+      </p:nvGrpSpPr>
+      <p:grpSpPr>
+        <a:xfrm>
+          <a:off x="0" y="0"/>
+          <a:ext cx="0" cy="0"/>
+          <a:chOff x="0" y="0"/>
+          <a:chExt cx="0" cy="0"/>
+        </a:xfrm>
+      </p:grpSpPr>
+      <p:sp>
+        <p:nvSpPr>
+          <p:cNvPr id="2" name="Заголовок 1"/>
+          <p:cNvSpPr>
+            <a:spLocks noGrp="1"/>
+          </p:cNvSpPr>
+          <p:nvPr>
+            <p:ph type="title"/>
+          </p:nvPr>
+        </p:nvSpPr>
+        <p:spPr/>
+        <p:txBody>
+          <a:bodyPr/>
+          <a:lstStyle/>
+          <a:p>
+            <a:r>
+              <a:rPr lang="ru-RU" dirty="0" smtClean="0"/>
+              <a:t>Описание реализации</a:t>
+            </a:r>
+            <a:r>
+              <a:rPr lang="en-US" dirty="0" smtClean="0"/>
+              <a:t>:</a:t>
+            </a:r>
+            <a:endParaRPr lang="ru-RU" dirty="0"/>
+          </a:p>
+        </p:txBody>
+      </p:sp>
+      <p:sp>
+        <p:nvSpPr>
+          <p:cNvPr id="3" name="Объект 2"/>
+          <p:cNvSpPr>
+            <a:spLocks noGrp="1"/>
+          </p:cNvSpPr>
+          <p:nvPr>
+            <p:ph idx="1"/>
+          </p:nvPr>
+        </p:nvSpPr>
+        <p:spPr>
+          <a:xfrm>
+            <a:off x="677334" y="1577475"/>
+            <a:ext cx="8596668" cy="4110962"/>
+          </a:xfrm>
+        </p:spPr>
+        <p:txBody>
+          <a:bodyPr>
+            <a:normAutofit lnSpcReduction="10000"/>
+          </a:bodyPr>
+          <a:lstStyle/>
+          <a:p>
+            <a:pPr marL="0" indent="0">
+              <a:buNone/>
+            </a:pPr>
+            <a:r>
+              <a:rPr lang="ru-RU" sz="2400" dirty="0"/>
+              <a:t>6</a:t>
+            </a:r>
+            <a:r>
+              <a:rPr lang="ru-RU" sz="2400" dirty="0" smtClean="0"/>
+              <a:t>). Класс </a:t>
+            </a:r>
+            <a:r>
+              <a:rPr lang="en-US" sz="2400" dirty="0" err="1" smtClean="0"/>
+              <a:t>AnimatedSprite</a:t>
+            </a:r>
+            <a:r>
+              <a:rPr lang="en-US" sz="2400" dirty="0" smtClean="0"/>
+              <a:t>: </a:t>
+            </a:r>
+            <a:r>
+              <a:rPr lang="ru-RU" sz="2400" dirty="0" smtClean="0"/>
+              <a:t>служит для разделение набора спрайтов на кадры анимации и за их смену, также для он распределяет спрайты по группам спрайтов</a:t>
+            </a:r>
+            <a:r>
+              <a:rPr lang="en-US" sz="2400" dirty="0" smtClean="0"/>
+              <a:t>.</a:t>
+            </a:r>
+          </a:p>
+          <a:p>
+            <a:pPr marL="0" indent="0">
+              <a:buNone/>
+            </a:pPr>
+            <a:r>
+              <a:rPr lang="en-US" sz="2400" dirty="0" smtClean="0"/>
+              <a:t>7). </a:t>
+            </a:r>
+            <a:r>
+              <a:rPr lang="ru-RU" sz="2400" dirty="0" smtClean="0"/>
+              <a:t>Класс </a:t>
+            </a:r>
+            <a:r>
+              <a:rPr lang="en-US" sz="2400" dirty="0" smtClean="0"/>
+              <a:t>Bot: </a:t>
+            </a:r>
+            <a:r>
+              <a:rPr lang="ru-RU" sz="2400" dirty="0" smtClean="0"/>
+              <a:t>Отвечает</a:t>
+            </a:r>
+            <a:r>
+              <a:rPr lang="en-US" sz="2400" dirty="0" smtClean="0"/>
+              <a:t>:</a:t>
+            </a:r>
+            <a:r>
+              <a:rPr lang="ru-RU" sz="2400" dirty="0" smtClean="0"/>
+              <a:t> за поведение </a:t>
+            </a:r>
+            <a:r>
+              <a:rPr lang="ru-RU" sz="2400" dirty="0"/>
+              <a:t>некоторых </a:t>
+            </a:r>
+            <a:r>
+              <a:rPr lang="ru-RU" sz="2400" dirty="0" smtClean="0"/>
+              <a:t>противников, соответствующие расчёты и их создание. </a:t>
+            </a:r>
+          </a:p>
+          <a:p>
+            <a:pPr marL="0" indent="0">
+              <a:buNone/>
+            </a:pPr>
+            <a:r>
+              <a:rPr lang="ru-RU" sz="2400" dirty="0" smtClean="0"/>
+              <a:t>8). </a:t>
+            </a:r>
+            <a:r>
+              <a:rPr lang="ru-RU" sz="2400" dirty="0" smtClean="0"/>
+              <a:t>Класс </a:t>
+            </a:r>
+            <a:r>
+              <a:rPr lang="en-US" sz="2400" dirty="0" smtClean="0"/>
+              <a:t>Boss(Bot): </a:t>
+            </a:r>
+            <a:r>
+              <a:rPr lang="ru-RU" sz="2400" dirty="0" smtClean="0"/>
+              <a:t>отвечает за создание босса игры и его поведение наследуется от </a:t>
+            </a:r>
+            <a:r>
+              <a:rPr lang="en-US" sz="2400" dirty="0" smtClean="0"/>
+              <a:t>Bot</a:t>
+            </a:r>
+            <a:r>
+              <a:rPr lang="ru-RU" sz="2400" dirty="0" smtClean="0"/>
+              <a:t>.</a:t>
+            </a:r>
+          </a:p>
+          <a:p>
+            <a:pPr marL="0" indent="0">
+              <a:buNone/>
+            </a:pPr>
+            <a:r>
+              <a:rPr lang="ru-RU" sz="2400" dirty="0" smtClean="0"/>
+              <a:t>9). Класс </a:t>
+            </a:r>
+            <a:r>
+              <a:rPr lang="en-US" sz="2400" dirty="0" smtClean="0"/>
+              <a:t>Particle: </a:t>
+            </a:r>
+            <a:r>
+              <a:rPr lang="ru-RU" sz="2400" dirty="0" smtClean="0"/>
+              <a:t>это класс отвечает за от рисовку и расчёт всех частиц в игре к нему же написана функция </a:t>
+            </a:r>
+            <a:r>
+              <a:rPr lang="en-US" sz="2400" dirty="0" err="1" smtClean="0"/>
+              <a:t>create_particles</a:t>
+            </a:r>
+            <a:r>
+              <a:rPr lang="ru-RU" sz="2400" dirty="0" smtClean="0"/>
+              <a:t>()</a:t>
+            </a:r>
+            <a:r>
+              <a:rPr lang="en-US" sz="2400" dirty="0" smtClean="0"/>
+              <a:t> </a:t>
+            </a:r>
+            <a:r>
+              <a:rPr lang="ru-RU" sz="2400" dirty="0" smtClean="0"/>
+              <a:t>для создания множества частиц в определённой точке</a:t>
+            </a:r>
+            <a:endParaRPr lang="ru-RU" sz="2400" dirty="0"/>
+          </a:p>
+        </p:txBody>
+      </p:sp>
+    </p:spTree>
+    <p:extLst>
+      <p:ext uri="{BB962C8B-B14F-4D97-AF65-F5344CB8AC3E}">
+        <p14:creationId xmlns:p14="http://schemas.microsoft.com/office/powerpoint/2010/main" val="3142421688"/>
+      </p:ext>
+    </p:extLst>
+  </p:cSld>
+  <p:clrMapOvr>
+    <a:masterClrMapping/>
+  </p:clrMapOvr>
+  <p:timing>
+    <p:tnLst>
+      <p:par>
+        <p:cTn id="1" dur="indefinite" restart="never" nodeType="tmRoot"/>
+      </p:par>
+    </p:tnLst>
+  </p:timing>
+</p:sld>
+</file>
+
+<file path=ppt/slides/slide5.xml><?xml version="1.0" encoding="utf-8"?>
+<p:sld xmlns:a="http://schemas.openxmlformats.org/drawingml/2006/main" xmlns:r="http://schemas.openxmlformats.org/officeDocument/2006/relationships" xmlns:p="http://schemas.openxmlformats.org/presentationml/2006/main">
+  <p:cSld>
+    <p:spTree>
+      <p:nvGrpSpPr>
+        <p:cNvPr id="1" name=""/>
+        <p:cNvGrpSpPr/>
+        <p:nvPr/>
+      </p:nvGrpSpPr>
+      <p:grpSpPr>
+        <a:xfrm>
+          <a:off x="0" y="0"/>
+          <a:ext cx="0" cy="0"/>
+          <a:chOff x="0" y="0"/>
+          <a:chExt cx="0" cy="0"/>
+        </a:xfrm>
+      </p:grpSpPr>
+      <p:sp>
+        <p:nvSpPr>
+          <p:cNvPr id="2" name="Заголовок 1"/>
+          <p:cNvSpPr>
+            <a:spLocks noGrp="1"/>
+          </p:cNvSpPr>
+          <p:nvPr>
+            <p:ph type="title"/>
+          </p:nvPr>
+        </p:nvSpPr>
+        <p:spPr/>
+        <p:txBody>
+          <a:bodyPr/>
+          <a:lstStyle/>
+          <a:p>
+            <a:r>
+              <a:rPr lang="ru-RU" dirty="0" smtClean="0"/>
+              <a:t>Описание реализации</a:t>
+            </a:r>
+            <a:r>
+              <a:rPr lang="en-US" dirty="0" smtClean="0"/>
+              <a:t>:</a:t>
+            </a:r>
+            <a:endParaRPr lang="ru-RU" dirty="0"/>
+          </a:p>
+        </p:txBody>
+      </p:sp>
+      <p:sp>
+        <p:nvSpPr>
+          <p:cNvPr id="3" name="Объект 2"/>
+          <p:cNvSpPr>
+            <a:spLocks noGrp="1"/>
+          </p:cNvSpPr>
+          <p:nvPr>
+            <p:ph idx="1"/>
+          </p:nvPr>
+        </p:nvSpPr>
+        <p:spPr>
+          <a:xfrm>
+            <a:off x="677334" y="1270000"/>
+            <a:ext cx="9044182" cy="5451642"/>
+          </a:xfrm>
+        </p:spPr>
+        <p:txBody>
+          <a:bodyPr>
+            <a:normAutofit lnSpcReduction="10000"/>
+          </a:bodyPr>
+          <a:lstStyle/>
+          <a:p>
+            <a:pPr marL="0" indent="0">
+              <a:buNone/>
+            </a:pPr>
+            <a:r>
+              <a:rPr lang="ru-RU" sz="2200" dirty="0" smtClean="0"/>
+              <a:t>Помимо множества классов было написано 18 функций</a:t>
+            </a:r>
+            <a:r>
+              <a:rPr lang="en-US" sz="2200" dirty="0" smtClean="0"/>
+              <a:t> </a:t>
+            </a:r>
+            <a:r>
+              <a:rPr lang="ru-RU" sz="2200" dirty="0" smtClean="0"/>
+              <a:t>и вот самые основные из них</a:t>
+            </a:r>
+            <a:r>
+              <a:rPr lang="en-US" sz="2200" dirty="0" smtClean="0"/>
+              <a:t>:</a:t>
+            </a:r>
+          </a:p>
+          <a:p>
+            <a:pPr marL="0" indent="0">
+              <a:buNone/>
+            </a:pPr>
+            <a:r>
+              <a:rPr lang="ru-RU" sz="2200" dirty="0" smtClean="0"/>
+              <a:t>1).</a:t>
+            </a:r>
+            <a:r>
+              <a:rPr lang="en-US" sz="2200" dirty="0"/>
+              <a:t>	</a:t>
+            </a:r>
+            <a:r>
+              <a:rPr lang="en-US" sz="2200" dirty="0" err="1" smtClean="0"/>
+              <a:t>Load_image</a:t>
+            </a:r>
+            <a:r>
+              <a:rPr lang="en-US" sz="2200" dirty="0" smtClean="0"/>
+              <a:t>() : </a:t>
+            </a:r>
+            <a:r>
+              <a:rPr lang="ru-RU" sz="2200" dirty="0" smtClean="0"/>
+              <a:t>используется на протяжении всей программы для загрузки изображений.</a:t>
+            </a:r>
+          </a:p>
+          <a:p>
+            <a:pPr marL="0" indent="0">
+              <a:buNone/>
+            </a:pPr>
+            <a:r>
+              <a:rPr lang="ru-RU" sz="2200" dirty="0" smtClean="0"/>
+              <a:t>2).</a:t>
+            </a:r>
+            <a:r>
+              <a:rPr lang="en-US" sz="2200" dirty="0" err="1" smtClean="0"/>
+              <a:t>collision_calculation</a:t>
+            </a:r>
+            <a:r>
+              <a:rPr lang="en-US" sz="2200" dirty="0" smtClean="0"/>
+              <a:t>(): </a:t>
+            </a:r>
+            <a:r>
+              <a:rPr lang="ru-RU" sz="2200" dirty="0" smtClean="0"/>
+              <a:t>очень важная функция программы она отвечает за обработку и реакцию на все столкновения спрайтов в игре для этого она использует несколько вспомогательных функций (</a:t>
+            </a:r>
+            <a:r>
+              <a:rPr lang="en-US" sz="2200" dirty="0" err="1" smtClean="0"/>
+              <a:t>drop_collide</a:t>
+            </a:r>
+            <a:r>
+              <a:rPr lang="en-US" sz="2200" dirty="0" smtClean="0"/>
+              <a:t>, </a:t>
+            </a:r>
+            <a:r>
+              <a:rPr lang="en-US" sz="2200" dirty="0" err="1" smtClean="0"/>
+              <a:t>slime_moved</a:t>
+            </a:r>
+            <a:r>
+              <a:rPr lang="en-US" sz="2200" dirty="0" smtClean="0"/>
+              <a:t>, </a:t>
+            </a:r>
+            <a:r>
+              <a:rPr lang="en-US" sz="2200" dirty="0" err="1" smtClean="0"/>
+              <a:t>enemy_moved</a:t>
+            </a:r>
+            <a:r>
+              <a:rPr lang="ru-RU" sz="2200" dirty="0" smtClean="0"/>
+              <a:t>)</a:t>
+            </a:r>
+            <a:endParaRPr lang="en-US" sz="2200" dirty="0" smtClean="0"/>
+          </a:p>
+          <a:p>
+            <a:pPr marL="0" indent="0">
+              <a:buNone/>
+            </a:pPr>
+            <a:r>
+              <a:rPr lang="en-US" sz="2200" dirty="0" smtClean="0"/>
+              <a:t>3). </a:t>
+            </a:r>
+            <a:r>
+              <a:rPr lang="en-US" sz="2200" dirty="0" err="1" smtClean="0"/>
+              <a:t>Generation_room</a:t>
+            </a:r>
+            <a:r>
+              <a:rPr lang="en-US" sz="2200" dirty="0" smtClean="0"/>
+              <a:t>(): </a:t>
+            </a:r>
+            <a:r>
+              <a:rPr lang="ru-RU" sz="2200" dirty="0" smtClean="0"/>
+              <a:t>основная функция для построения уровня</a:t>
+            </a:r>
+            <a:r>
+              <a:rPr lang="en-US" sz="2200" dirty="0" smtClean="0"/>
+              <a:t>,</a:t>
+            </a:r>
+            <a:r>
+              <a:rPr lang="ru-RU" sz="2200" dirty="0" smtClean="0"/>
+              <a:t> </a:t>
+            </a:r>
+            <a:r>
+              <a:rPr lang="ru-RU" sz="2200" dirty="0" smtClean="0"/>
+              <a:t>и её вспомогательная</a:t>
+            </a:r>
+            <a:r>
+              <a:rPr lang="ru-RU" sz="2200" dirty="0" smtClean="0"/>
+              <a:t> функция </a:t>
+            </a:r>
+            <a:r>
+              <a:rPr lang="en-US" sz="2200" dirty="0" err="1" smtClean="0"/>
+              <a:t>create_map</a:t>
+            </a:r>
+            <a:r>
+              <a:rPr lang="ru-RU" sz="2200" dirty="0" smtClean="0"/>
+              <a:t>()</a:t>
+            </a:r>
+            <a:r>
+              <a:rPr lang="en-US" sz="2200" dirty="0" smtClean="0"/>
+              <a:t>.</a:t>
+            </a:r>
+            <a:endParaRPr lang="ru-RU" sz="2200" dirty="0" smtClean="0"/>
+          </a:p>
+          <a:p>
+            <a:pPr marL="0" indent="0">
+              <a:buNone/>
+            </a:pPr>
+            <a:r>
+              <a:rPr lang="ru-RU" sz="2200" dirty="0" smtClean="0"/>
+              <a:t>4).</a:t>
+            </a:r>
+            <a:r>
+              <a:rPr lang="en-US" sz="2200" dirty="0" smtClean="0"/>
+              <a:t>pause() : </a:t>
+            </a:r>
+            <a:r>
+              <a:rPr lang="ru-RU" sz="2200" dirty="0" smtClean="0"/>
+              <a:t>функция ответственная за приостановку игры и отображение, обработку меню с возможностью включить полноэкранный режим.</a:t>
+            </a:r>
+          </a:p>
+          <a:p>
+            <a:pPr marL="0" indent="0">
+              <a:buNone/>
+            </a:pPr>
+            <a:r>
+              <a:rPr lang="ru-RU" sz="2200" dirty="0" smtClean="0"/>
+              <a:t>5).</a:t>
+            </a:r>
+            <a:r>
+              <a:rPr lang="en-US" sz="2200" dirty="0" err="1" smtClean="0"/>
+              <a:t>start_game</a:t>
+            </a:r>
+            <a:r>
+              <a:rPr lang="en-US" sz="2200" dirty="0" smtClean="0"/>
+              <a:t>(): </a:t>
+            </a:r>
+            <a:r>
+              <a:rPr lang="ru-RU" sz="2200" dirty="0" smtClean="0"/>
+              <a:t>функция ответственная за начало игры использует функцию </a:t>
+            </a:r>
+            <a:r>
+              <a:rPr lang="en-US" sz="2200" dirty="0" err="1" smtClean="0"/>
+              <a:t>create_player</a:t>
+            </a:r>
+            <a:r>
+              <a:rPr lang="en-US" sz="2200" dirty="0" smtClean="0"/>
+              <a:t>() </a:t>
+            </a:r>
+            <a:r>
+              <a:rPr lang="ru-RU" sz="2200" dirty="0" smtClean="0"/>
+              <a:t>для создания персонажа</a:t>
+            </a:r>
+          </a:p>
+          <a:p>
+            <a:pPr marL="0" indent="0">
+              <a:buNone/>
+            </a:pPr>
+            <a:endParaRPr lang="ru-RU" sz="2400" dirty="0"/>
+          </a:p>
+        </p:txBody>
+      </p:sp>
+    </p:spTree>
+    <p:extLst>
+      <p:ext uri="{BB962C8B-B14F-4D97-AF65-F5344CB8AC3E}">
+        <p14:creationId xmlns:p14="http://schemas.microsoft.com/office/powerpoint/2010/main" val="4161799939"/>
+      </p:ext>
+    </p:extLst>
+  </p:cSld>
+  <p:clrMapOvr>
+    <a:masterClrMapping/>
+  </p:clrMapOvr>
+  <p:timing>
+    <p:tnLst>
+      <p:par>
+        <p:cTn id="1" dur="indefinite" restart="never" nodeType="tmRoot"/>
+      </p:par>
+    </p:tnLst>
+  </p:timing>
+</p:sld>
+</file>
+
+<file path=ppt/slides/slide6.xml><?xml version="1.0" encoding="utf-8"?>
+<p:sld xmlns:a="http://schemas.openxmlformats.org/drawingml/2006/main" xmlns:r="http://schemas.openxmlformats.org/officeDocument/2006/relationships" xmlns:p="http://schemas.openxmlformats.org/presentationml/2006/main">
+  <p:cSld>
+    <p:spTree>
+      <p:nvGrpSpPr>
+        <p:cNvPr id="1" name=""/>
+        <p:cNvGrpSpPr/>
+        <p:nvPr/>
+      </p:nvGrpSpPr>
+      <p:grpSpPr>
+        <a:xfrm>
+          <a:off x="0" y="0"/>
+          <a:ext cx="0" cy="0"/>
+          <a:chOff x="0" y="0"/>
+          <a:chExt cx="0" cy="0"/>
+        </a:xfrm>
+      </p:grpSpPr>
+      <p:sp>
+        <p:nvSpPr>
+          <p:cNvPr id="4" name="Заголовок 3"/>
+          <p:cNvSpPr>
+            <a:spLocks noGrp="1"/>
+          </p:cNvSpPr>
+          <p:nvPr>
+            <p:ph type="title"/>
+          </p:nvPr>
+        </p:nvSpPr>
+        <p:spPr/>
+        <p:txBody>
+          <a:bodyPr>
+            <a:normAutofit/>
+          </a:bodyPr>
+          <a:lstStyle/>
+          <a:p>
+            <a:r>
+              <a:rPr lang="ru-RU" dirty="0" smtClean="0"/>
+              <a:t>Описание игровых возможностей.</a:t>
+            </a:r>
+            <a:endParaRPr lang="ru-RU" dirty="0"/>
+          </a:p>
+        </p:txBody>
+      </p:sp>
+      <p:sp>
+        <p:nvSpPr>
+          <p:cNvPr id="6" name="Текст 5"/>
+          <p:cNvSpPr>
+            <a:spLocks noGrp="1"/>
+          </p:cNvSpPr>
+          <p:nvPr>
+            <p:ph type="body" idx="1"/>
+          </p:nvPr>
+        </p:nvSpPr>
+        <p:spPr>
+          <a:xfrm>
+            <a:off x="675745" y="2160983"/>
+            <a:ext cx="8570530" cy="576262"/>
+          </a:xfrm>
+        </p:spPr>
+        <p:txBody>
+          <a:bodyPr/>
+          <a:lstStyle/>
+          <a:p>
+            <a:pPr algn="ctr"/>
+            <a:r>
+              <a:rPr lang="ru-RU" dirty="0" smtClean="0"/>
+              <a:t>Экран начала игры и конца.</a:t>
+            </a:r>
+          </a:p>
+          <a:p>
+            <a:pPr algn="ctr"/>
+            <a:endParaRPr lang="ru-RU" dirty="0" smtClean="0"/>
+          </a:p>
+        </p:txBody>
+      </p:sp>
+      <p:pic>
+        <p:nvPicPr>
+          <p:cNvPr id="12" name="Объект 11"/>
+          <p:cNvPicPr>
+            <a:picLocks noGrp="1" noChangeAspect="1"/>
+          </p:cNvPicPr>
+          <p:nvPr>
+            <p:ph sz="half" idx="2"/>
+          </p:nvPr>
+        </p:nvPicPr>
+        <p:blipFill>
+          <a:blip r:embed="rId2"/>
+          <a:stretch>
+            <a:fillRect/>
+          </a:stretch>
+        </p:blipFill>
+        <p:spPr>
+          <a:xfrm>
+            <a:off x="703381" y="2736850"/>
+            <a:ext cx="4130437" cy="3305175"/>
+          </a:xfrm>
+          <a:prstGeom prst="rect">
+            <a:avLst/>
+          </a:prstGeom>
+        </p:spPr>
+      </p:pic>
+      <p:pic>
+        <p:nvPicPr>
+          <p:cNvPr id="11" name="Объект 10"/>
+          <p:cNvPicPr>
+            <a:picLocks noGrp="1" noChangeAspect="1"/>
+          </p:cNvPicPr>
+          <p:nvPr>
+            <p:ph sz="quarter" idx="4"/>
+          </p:nvPr>
+        </p:nvPicPr>
+        <p:blipFill>
+          <a:blip r:embed="rId3"/>
+          <a:stretch>
+            <a:fillRect/>
+          </a:stretch>
+        </p:blipFill>
+        <p:spPr>
+          <a:xfrm>
+            <a:off x="5115838" y="2736850"/>
+            <a:ext cx="4130437" cy="3305175"/>
+          </a:xfrm>
+          <a:prstGeom prst="rect">
+            <a:avLst/>
+          </a:prstGeom>
+        </p:spPr>
+      </p:pic>
+    </p:spTree>
+    <p:extLst>
+      <p:ext uri="{BB962C8B-B14F-4D97-AF65-F5344CB8AC3E}">
+        <p14:creationId xmlns:p14="http://schemas.microsoft.com/office/powerpoint/2010/main" val="718325008"/>
+      </p:ext>
+    </p:extLst>
+  </p:cSld>
+  <p:clrMapOvr>
+    <a:masterClrMapping/>
+  </p:clrMapOvr>
+  <p:timing>
+    <p:tnLst>
+      <p:par>
+        <p:cTn id="1" dur="indefinite" restart="never" nodeType="tmRoot"/>
+      </p:par>
+    </p:tnLst>
+  </p:timing>
+</p:sld>
+</file>
+
+<file path=ppt/slides/slide7.xml><?xml version="1.0" encoding="utf-8"?>
+<p:sld xmlns:a="http://schemas.openxmlformats.org/drawingml/2006/main" xmlns:r="http://schemas.openxmlformats.org/officeDocument/2006/relationships" xmlns:p="http://schemas.openxmlformats.org/presentationml/2006/main">
+  <p:cSld>
+    <p:spTree>
+      <p:nvGrpSpPr>
+        <p:cNvPr id="1" name=""/>
+        <p:cNvGrpSpPr/>
+        <p:nvPr/>
+      </p:nvGrpSpPr>
+      <p:grpSpPr>
+        <a:xfrm>
+          <a:off x="0" y="0"/>
+          <a:ext cx="0" cy="0"/>
+          <a:chOff x="0" y="0"/>
+          <a:chExt cx="0" cy="0"/>
+        </a:xfrm>
+      </p:grpSpPr>
+      <p:sp>
+        <p:nvSpPr>
+          <p:cNvPr id="4" name="Заголовок 3"/>
+          <p:cNvSpPr>
+            <a:spLocks noGrp="1"/>
+          </p:cNvSpPr>
+          <p:nvPr>
+            <p:ph type="title"/>
+          </p:nvPr>
+        </p:nvSpPr>
+        <p:spPr>
+          <a:xfrm>
+            <a:off x="677334" y="579817"/>
+            <a:ext cx="3854528" cy="400534"/>
+          </a:xfrm>
+        </p:spPr>
+        <p:txBody>
+          <a:bodyPr>
+            <a:normAutofit fontScale="90000"/>
+          </a:bodyPr>
+          <a:lstStyle/>
+          <a:p>
+            <a:r>
+              <a:rPr lang="ru-RU" dirty="0" smtClean="0"/>
+              <a:t>Описание игровых возможностей.</a:t>
+            </a:r>
+            <a:endParaRPr lang="ru-RU" dirty="0"/>
+          </a:p>
+        </p:txBody>
+      </p:sp>
+      <p:sp>
+        <p:nvSpPr>
+          <p:cNvPr id="6" name="Текст 5"/>
+          <p:cNvSpPr>
+            <a:spLocks noGrp="1"/>
+          </p:cNvSpPr>
+          <p:nvPr>
+            <p:ph type="body" sz="half" idx="2"/>
+          </p:nvPr>
+        </p:nvSpPr>
+        <p:spPr>
+          <a:xfrm>
+            <a:off x="677334" y="1371601"/>
+            <a:ext cx="3854528" cy="3989918"/>
+          </a:xfrm>
+        </p:spPr>
+        <p:txBody>
+          <a:bodyPr>
+            <a:normAutofit/>
+          </a:bodyPr>
+          <a:lstStyle/>
+          <a:p>
+            <a:r>
+              <a:rPr lang="ru-RU" sz="2000" dirty="0" smtClean="0"/>
+              <a:t>Передвижение персонажа на </a:t>
+            </a:r>
+            <a:r>
+              <a:rPr lang="en-US" sz="2000" dirty="0" err="1" smtClean="0"/>
+              <a:t>wasd</a:t>
+            </a:r>
+            <a:r>
+              <a:rPr lang="en-US" sz="2000" dirty="0" smtClean="0"/>
+              <a:t> </a:t>
+            </a:r>
+            <a:r>
+              <a:rPr lang="ru-RU" sz="2000" dirty="0" smtClean="0"/>
+              <a:t>и стрельба по 4 направлениям на стрелки клавиатуры.</a:t>
+            </a:r>
+          </a:p>
+          <a:p>
+            <a:endParaRPr lang="ru-RU" sz="2000" dirty="0" smtClean="0"/>
+          </a:p>
+        </p:txBody>
+      </p:sp>
+      <p:pic>
+        <p:nvPicPr>
+          <p:cNvPr id="3" name="Объект 2"/>
+          <p:cNvPicPr>
+            <a:picLocks noGrp="1" noChangeAspect="1"/>
+          </p:cNvPicPr>
+          <p:nvPr>
+            <p:ph idx="1"/>
+          </p:nvPr>
+        </p:nvPicPr>
+        <p:blipFill>
+          <a:blip r:embed="rId2"/>
+          <a:stretch>
+            <a:fillRect/>
+          </a:stretch>
+        </p:blipFill>
+        <p:spPr>
+          <a:xfrm>
+            <a:off x="4531862" y="1289145"/>
+            <a:ext cx="5089195" cy="4072373"/>
+          </a:xfrm>
+          <a:prstGeom prst="rect">
+            <a:avLst/>
+          </a:prstGeom>
+        </p:spPr>
+      </p:pic>
+    </p:spTree>
+    <p:extLst>
+      <p:ext uri="{BB962C8B-B14F-4D97-AF65-F5344CB8AC3E}">
+        <p14:creationId xmlns:p14="http://schemas.microsoft.com/office/powerpoint/2010/main" val="2131574503"/>
+      </p:ext>
+    </p:extLst>
+  </p:cSld>
+  <p:clrMapOvr>
+    <a:masterClrMapping/>
+  </p:clrMapOvr>
+  <p:timing>
+    <p:tnLst>
+      <p:par>
+        <p:cTn id="1" dur="indefinite" restart="never" nodeType="tmRoot"/>
+      </p:par>
+    </p:tnLst>
+  </p:timing>
+</p:sld>
+</file>
+
+<file path=ppt/slides/slide8.xml><?xml version="1.0" encoding="utf-8"?>
+<p:sld xmlns:a="http://schemas.openxmlformats.org/drawingml/2006/main" xmlns:r="http://schemas.openxmlformats.org/officeDocument/2006/relationships" xmlns:p="http://schemas.openxmlformats.org/presentationml/2006/main">
+  <p:cSld>
+    <p:spTree>
+      <p:nvGrpSpPr>
+        <p:cNvPr id="1" name=""/>
+        <p:cNvGrpSpPr/>
+        <p:nvPr/>
+      </p:nvGrpSpPr>
+      <p:grpSpPr>
+        <a:xfrm>
+          <a:off x="0" y="0"/>
+          <a:ext cx="0" cy="0"/>
+          <a:chOff x="0" y="0"/>
+          <a:chExt cx="0" cy="0"/>
+        </a:xfrm>
+      </p:grpSpPr>
+      <p:sp>
+        <p:nvSpPr>
+          <p:cNvPr id="4" name="Заголовок 3"/>
+          <p:cNvSpPr>
+            <a:spLocks noGrp="1"/>
+          </p:cNvSpPr>
+          <p:nvPr>
+            <p:ph type="title"/>
+          </p:nvPr>
+        </p:nvSpPr>
+        <p:spPr>
+          <a:xfrm>
+            <a:off x="677334" y="579817"/>
+            <a:ext cx="3854528" cy="400534"/>
+          </a:xfrm>
+        </p:spPr>
+        <p:txBody>
+          <a:bodyPr>
+            <a:normAutofit fontScale="90000"/>
+          </a:bodyPr>
+          <a:lstStyle/>
+          <a:p>
+            <a:r>
+              <a:rPr lang="ru-RU" dirty="0" smtClean="0"/>
+              <a:t>Описание игровых возможностей.</a:t>
+            </a:r>
+            <a:endParaRPr lang="ru-RU" dirty="0"/>
+          </a:p>
+        </p:txBody>
+      </p:sp>
+      <p:sp>
+        <p:nvSpPr>
+          <p:cNvPr id="6" name="Текст 5"/>
+          <p:cNvSpPr>
+            <a:spLocks noGrp="1"/>
+          </p:cNvSpPr>
+          <p:nvPr>
+            <p:ph type="body" sz="half" idx="2"/>
+          </p:nvPr>
+        </p:nvSpPr>
+        <p:spPr>
+          <a:xfrm>
+            <a:off x="677334" y="1371601"/>
+            <a:ext cx="3854528" cy="3989918"/>
+          </a:xfrm>
+        </p:spPr>
+        <p:txBody>
+          <a:bodyPr/>
+          <a:lstStyle/>
+          <a:p>
+            <a:r>
+              <a:rPr lang="ru-RU" sz="2000" dirty="0" smtClean="0"/>
+              <a:t>Возможность поставит игру на паузу при нажатии </a:t>
+            </a:r>
+            <a:r>
+              <a:rPr lang="en-US" sz="2000" dirty="0" smtClean="0"/>
+              <a:t>Esc</a:t>
+            </a:r>
+            <a:r>
+              <a:rPr lang="ru-RU" sz="2000" dirty="0" smtClean="0"/>
+              <a:t> и выйти из игры. </a:t>
+            </a:r>
+          </a:p>
+          <a:p>
+            <a:endParaRPr lang="ru-RU" dirty="0" smtClean="0"/>
+          </a:p>
+        </p:txBody>
+      </p:sp>
+      <p:pic>
+        <p:nvPicPr>
+          <p:cNvPr id="5" name="Объект 4"/>
+          <p:cNvPicPr>
+            <a:picLocks noGrp="1" noChangeAspect="1"/>
+          </p:cNvPicPr>
+          <p:nvPr>
+            <p:ph idx="1"/>
+          </p:nvPr>
+        </p:nvPicPr>
+        <p:blipFill>
+          <a:blip r:embed="rId2"/>
+          <a:stretch>
+            <a:fillRect/>
+          </a:stretch>
+        </p:blipFill>
+        <p:spPr>
+          <a:xfrm>
+            <a:off x="4531862" y="1371601"/>
+            <a:ext cx="4986152" cy="3989917"/>
+          </a:xfrm>
+          <a:prstGeom prst="rect">
+            <a:avLst/>
+          </a:prstGeom>
+        </p:spPr>
+      </p:pic>
+    </p:spTree>
+    <p:extLst>
+      <p:ext uri="{BB962C8B-B14F-4D97-AF65-F5344CB8AC3E}">
+        <p14:creationId xmlns:p14="http://schemas.microsoft.com/office/powerpoint/2010/main" val="2054946532"/>
+      </p:ext>
+    </p:extLst>
+  </p:cSld>
+  <p:clrMapOvr>
+    <a:masterClrMapping/>
+  </p:clrMapOvr>
+  <p:timing>
+    <p:tnLst>
+      <p:par>
+        <p:cTn id="1" dur="indefinite" restart="never" nodeType="tmRoot"/>
+      </p:par>
+    </p:tnLst>
+  </p:timing>
+</p:sld>
+</file>
+
+<file path=ppt/slides/slide9.xml><?xml version="1.0" encoding="utf-8"?>
+<p:sld xmlns:a="http://schemas.openxmlformats.org/drawingml/2006/main" xmlns:r="http://schemas.openxmlformats.org/officeDocument/2006/relationships" xmlns:p="http://schemas.openxmlformats.org/presentationml/2006/main">
+  <p:cSld>
+    <p:spTree>
+      <p:nvGrpSpPr>
+        <p:cNvPr id="1" name=""/>
+        <p:cNvGrpSpPr/>
+        <p:nvPr/>
+      </p:nvGrpSpPr>
+      <p:grpSpPr>
+        <a:xfrm>
+          <a:off x="0" y="0"/>
+          <a:ext cx="0" cy="0"/>
+          <a:chOff x="0" y="0"/>
+          <a:chExt cx="0" cy="0"/>
+        </a:xfrm>
+      </p:grpSpPr>
+      <p:sp>
+        <p:nvSpPr>
+          <p:cNvPr id="4" name="Заголовок 3"/>
+          <p:cNvSpPr>
+            <a:spLocks noGrp="1"/>
+          </p:cNvSpPr>
+          <p:nvPr>
+            <p:ph type="title"/>
+          </p:nvPr>
+        </p:nvSpPr>
+        <p:spPr>
+          <a:xfrm>
+            <a:off x="677334" y="579817"/>
+            <a:ext cx="3854528" cy="400534"/>
+          </a:xfrm>
+        </p:spPr>
+        <p:txBody>
+          <a:bodyPr>
+            <a:normAutofit fontScale="90000"/>
+          </a:bodyPr>
+          <a:lstStyle/>
+          <a:p>
+            <a:r>
+              <a:rPr lang="ru-RU" dirty="0" smtClean="0"/>
+              <a:t>Описание игровых возможностей.</a:t>
+            </a:r>
+            <a:endParaRPr lang="ru-RU" dirty="0"/>
+          </a:p>
+        </p:txBody>
+      </p:sp>
+      <p:sp>
+        <p:nvSpPr>
+          <p:cNvPr id="6" name="Текст 5"/>
+          <p:cNvSpPr>
+            <a:spLocks noGrp="1"/>
+          </p:cNvSpPr>
+          <p:nvPr>
+            <p:ph type="body" sz="half" idx="2"/>
+          </p:nvPr>
+        </p:nvSpPr>
+        <p:spPr>
+          <a:xfrm>
+            <a:off x="677334" y="980351"/>
+            <a:ext cx="3854528" cy="3989918"/>
+          </a:xfrm>
+        </p:spPr>
+        <p:txBody>
+          <a:bodyPr/>
+          <a:lstStyle/>
+          <a:p>
+            <a:r>
+              <a:rPr lang="ru-RU" sz="2000" dirty="0" smtClean="0"/>
+              <a:t>Возможность включить полноэкранный режим для удобства игры</a:t>
+            </a:r>
+            <a:r>
+              <a:rPr lang="ru-RU" dirty="0" smtClean="0"/>
+              <a:t>.</a:t>
+            </a:r>
+          </a:p>
+          <a:p>
+            <a:endParaRPr lang="ru-RU" dirty="0" smtClean="0"/>
+          </a:p>
+        </p:txBody>
+      </p:sp>
+      <p:pic>
+        <p:nvPicPr>
+          <p:cNvPr id="3" name="Объект 2"/>
+          <p:cNvPicPr>
+            <a:picLocks noGrp="1" noChangeAspect="1"/>
+          </p:cNvPicPr>
+          <p:nvPr>
+            <p:ph idx="1"/>
+          </p:nvPr>
+        </p:nvPicPr>
+        <p:blipFill>
+          <a:blip r:embed="rId2"/>
+          <a:stretch>
+            <a:fillRect/>
+          </a:stretch>
+        </p:blipFill>
+        <p:spPr>
+          <a:xfrm>
+            <a:off x="677334" y="2230772"/>
+            <a:ext cx="6261331" cy="3521997"/>
+          </a:xfrm>
+          <a:prstGeom prst="rect">
+            <a:avLst/>
+          </a:prstGeom>
+        </p:spPr>
+      </p:pic>
+    </p:spTree>
+    <p:extLst>
+      <p:ext uri="{BB962C8B-B14F-4D97-AF65-F5344CB8AC3E}">
+        <p14:creationId xmlns:p14="http://schemas.microsoft.com/office/powerpoint/2010/main" val="857124896"/>
       </p:ext>
     </p:extLst>
   </p:cSld>
